--- a/Description/ResrvationNewLayout.pptx
+++ b/Description/ResrvationNewLayout.pptx
@@ -15,7 +15,7 @@
     <p:sldId id="265" r:id="rId9"/>
   </p:sldIdLst>
   <p:sldSz cx="12192000" cy="6858000"/>
-  <p:notesSz cx="6721475" cy="9866313"/>
+  <p:notesSz cx="6661150" cy="9866313"/>
   <p:defaultTextStyle>
     <a:defPPr>
       <a:defRPr lang="de-DE"/>
@@ -273,7 +273,7 @@
           <a:p>
             <a:fld id="{DDCE6D58-9B57-4731-A47B-3CD41B48F0A9}" type="datetimeFigureOut">
               <a:rPr lang="de-CH" smtClean="0"/>
-              <a:t>03.06.2025</a:t>
+              <a:t>16.06.2025</a:t>
             </a:fld>
             <a:endParaRPr lang="de-CH"/>
           </a:p>
@@ -443,7 +443,7 @@
           <a:p>
             <a:fld id="{DDCE6D58-9B57-4731-A47B-3CD41B48F0A9}" type="datetimeFigureOut">
               <a:rPr lang="de-CH" smtClean="0"/>
-              <a:t>03.06.2025</a:t>
+              <a:t>16.06.2025</a:t>
             </a:fld>
             <a:endParaRPr lang="de-CH"/>
           </a:p>
@@ -623,7 +623,7 @@
           <a:p>
             <a:fld id="{DDCE6D58-9B57-4731-A47B-3CD41B48F0A9}" type="datetimeFigureOut">
               <a:rPr lang="de-CH" smtClean="0"/>
-              <a:t>03.06.2025</a:t>
+              <a:t>16.06.2025</a:t>
             </a:fld>
             <a:endParaRPr lang="de-CH"/>
           </a:p>
@@ -793,7 +793,7 @@
           <a:p>
             <a:fld id="{DDCE6D58-9B57-4731-A47B-3CD41B48F0A9}" type="datetimeFigureOut">
               <a:rPr lang="de-CH" smtClean="0"/>
-              <a:t>03.06.2025</a:t>
+              <a:t>16.06.2025</a:t>
             </a:fld>
             <a:endParaRPr lang="de-CH"/>
           </a:p>
@@ -1039,7 +1039,7 @@
           <a:p>
             <a:fld id="{DDCE6D58-9B57-4731-A47B-3CD41B48F0A9}" type="datetimeFigureOut">
               <a:rPr lang="de-CH" smtClean="0"/>
-              <a:t>03.06.2025</a:t>
+              <a:t>16.06.2025</a:t>
             </a:fld>
             <a:endParaRPr lang="de-CH"/>
           </a:p>
@@ -1271,7 +1271,7 @@
           <a:p>
             <a:fld id="{DDCE6D58-9B57-4731-A47B-3CD41B48F0A9}" type="datetimeFigureOut">
               <a:rPr lang="de-CH" smtClean="0"/>
-              <a:t>03.06.2025</a:t>
+              <a:t>16.06.2025</a:t>
             </a:fld>
             <a:endParaRPr lang="de-CH"/>
           </a:p>
@@ -1638,7 +1638,7 @@
           <a:p>
             <a:fld id="{DDCE6D58-9B57-4731-A47B-3CD41B48F0A9}" type="datetimeFigureOut">
               <a:rPr lang="de-CH" smtClean="0"/>
-              <a:t>03.06.2025</a:t>
+              <a:t>16.06.2025</a:t>
             </a:fld>
             <a:endParaRPr lang="de-CH"/>
           </a:p>
@@ -1756,7 +1756,7 @@
           <a:p>
             <a:fld id="{DDCE6D58-9B57-4731-A47B-3CD41B48F0A9}" type="datetimeFigureOut">
               <a:rPr lang="de-CH" smtClean="0"/>
-              <a:t>03.06.2025</a:t>
+              <a:t>16.06.2025</a:t>
             </a:fld>
             <a:endParaRPr lang="de-CH"/>
           </a:p>
@@ -1851,7 +1851,7 @@
           <a:p>
             <a:fld id="{DDCE6D58-9B57-4731-A47B-3CD41B48F0A9}" type="datetimeFigureOut">
               <a:rPr lang="de-CH" smtClean="0"/>
-              <a:t>03.06.2025</a:t>
+              <a:t>16.06.2025</a:t>
             </a:fld>
             <a:endParaRPr lang="de-CH"/>
           </a:p>
@@ -2128,7 +2128,7 @@
           <a:p>
             <a:fld id="{DDCE6D58-9B57-4731-A47B-3CD41B48F0A9}" type="datetimeFigureOut">
               <a:rPr lang="de-CH" smtClean="0"/>
-              <a:t>03.06.2025</a:t>
+              <a:t>16.06.2025</a:t>
             </a:fld>
             <a:endParaRPr lang="de-CH"/>
           </a:p>
@@ -2381,7 +2381,7 @@
           <a:p>
             <a:fld id="{DDCE6D58-9B57-4731-A47B-3CD41B48F0A9}" type="datetimeFigureOut">
               <a:rPr lang="de-CH" smtClean="0"/>
-              <a:t>03.06.2025</a:t>
+              <a:t>16.06.2025</a:t>
             </a:fld>
             <a:endParaRPr lang="de-CH"/>
           </a:p>
@@ -2594,7 +2594,7 @@
           <a:p>
             <a:fld id="{DDCE6D58-9B57-4731-A47B-3CD41B48F0A9}" type="datetimeFigureOut">
               <a:rPr lang="de-CH" smtClean="0"/>
-              <a:t>03.06.2025</a:t>
+              <a:t>16.06.2025</a:t>
             </a:fld>
             <a:endParaRPr lang="de-CH"/>
           </a:p>
@@ -3013,8 +3013,8 @@
         </p:nvSpPr>
         <p:spPr>
           <a:xfrm>
-            <a:off x="512481" y="286875"/>
-            <a:ext cx="2037426" cy="523220"/>
+            <a:off x="512481" y="822337"/>
+            <a:ext cx="1794105" cy="523220"/>
           </a:xfrm>
           <a:prstGeom prst="rect">
             <a:avLst/>
@@ -3039,36 +3039,6 @@
       </p:sp>
       <p:pic>
         <p:nvPicPr>
-          <p:cNvPr id="4" name="Grafik 3">
-            <a:extLst>
-              <a:ext uri="{FF2B5EF4-FFF2-40B4-BE49-F238E27FC236}">
-                <a16:creationId xmlns:a16="http://schemas.microsoft.com/office/drawing/2014/main" id="{90867D9C-A51B-0015-6713-440E43A8C82B}"/>
-              </a:ext>
-            </a:extLst>
-          </p:cNvPr>
-          <p:cNvPicPr>
-            <a:picLocks noChangeAspect="1"/>
-          </p:cNvPicPr>
-          <p:nvPr/>
-        </p:nvPicPr>
-        <p:blipFill>
-          <a:blip r:embed="rId2"/>
-          <a:stretch>
-            <a:fillRect/>
-          </a:stretch>
-        </p:blipFill>
-        <p:spPr>
-          <a:xfrm>
-            <a:off x="2734315" y="286875"/>
-            <a:ext cx="2790476" cy="3561905"/>
-          </a:xfrm>
-          <a:prstGeom prst="rect">
-            <a:avLst/>
-          </a:prstGeom>
-        </p:spPr>
-      </p:pic>
-      <p:pic>
-        <p:nvPicPr>
           <p:cNvPr id="6" name="Picture 2" descr="Tischplan generieren">
             <a:extLst>
               <a:ext uri="{FF2B5EF4-FFF2-40B4-BE49-F238E27FC236}">
@@ -3082,7 +3052,7 @@
           <p:nvPr/>
         </p:nvPicPr>
         <p:blipFill>
-          <a:blip r:embed="rId3">
+          <a:blip r:embed="rId2">
             <a:extLst>
               <a:ext uri="{28A0092B-C50C-407E-A947-70E740481C1C}">
                 <a14:useLocalDpi xmlns:a14="http://schemas.microsoft.com/office/drawing/2010/main" val="0"/>
@@ -3096,8 +3066,8 @@
         </p:blipFill>
         <p:spPr bwMode="auto">
           <a:xfrm>
-            <a:off x="707280" y="810095"/>
-            <a:ext cx="1647827" cy="1237701"/>
+            <a:off x="707281" y="1345558"/>
+            <a:ext cx="1451034" cy="1089888"/>
           </a:xfrm>
           <a:prstGeom prst="rect">
             <a:avLst/>
@@ -3112,6 +3082,36 @@
               </a14:hiddenFill>
             </a:ext>
           </a:extLst>
+        </p:spPr>
+      </p:pic>
+      <p:pic>
+        <p:nvPicPr>
+          <p:cNvPr id="5" name="Grafik 4">
+            <a:extLst>
+              <a:ext uri="{FF2B5EF4-FFF2-40B4-BE49-F238E27FC236}">
+                <a16:creationId xmlns:a16="http://schemas.microsoft.com/office/drawing/2014/main" id="{61481711-4F82-4C9B-86E3-2390ACD1C9A7}"/>
+              </a:ext>
+            </a:extLst>
+          </p:cNvPr>
+          <p:cNvPicPr>
+            <a:picLocks noChangeAspect="1"/>
+          </p:cNvPicPr>
+          <p:nvPr/>
+        </p:nvPicPr>
+        <p:blipFill>
+          <a:blip r:embed="rId3"/>
+          <a:stretch>
+            <a:fillRect/>
+          </a:stretch>
+        </p:blipFill>
+        <p:spPr>
+          <a:xfrm>
+            <a:off x="2549906" y="357636"/>
+            <a:ext cx="2037426" cy="3025098"/>
+          </a:xfrm>
+          <a:prstGeom prst="rect">
+            <a:avLst/>
+          </a:prstGeom>
         </p:spPr>
       </p:pic>
     </p:spTree>
@@ -3313,8 +3313,8 @@
         </p:nvCxnSpPr>
         <p:spPr>
           <a:xfrm>
-            <a:off x="2193949" y="2575149"/>
-            <a:ext cx="3252217" cy="13237"/>
+            <a:off x="2212914" y="2558457"/>
+            <a:ext cx="3835271" cy="36067"/>
           </a:xfrm>
           <a:prstGeom prst="line">
             <a:avLst/>
@@ -3443,7 +3443,7 @@
                 <a:latin typeface="Arial" panose="020B0604020202020204" pitchFamily="34" charset="0"/>
                 <a:cs typeface="Arial" panose="020B0604020202020204" pitchFamily="34" charset="0"/>
               </a:rPr>
-              <a:t>Spagi_76_Chairs_V_3</a:t>
+              <a:t>Spagi_90_Chairs_V_1</a:t>
             </a:r>
           </a:p>
         </p:txBody>
@@ -3696,7 +3696,7 @@
                 <a:latin typeface="Arial" panose="020B0604020202020204" pitchFamily="34" charset="0"/>
                 <a:cs typeface="Arial" panose="020B0604020202020204" pitchFamily="34" charset="0"/>
               </a:rPr>
-              <a:t>DisplayLayout.htm</a:t>
+              <a:t>ShowLayout.htm</a:t>
             </a:r>
           </a:p>
         </p:txBody>
@@ -3759,7 +3759,7 @@
                 <a:latin typeface="Arial" panose="020B0604020202020204" pitchFamily="34" charset="0"/>
                 <a:cs typeface="Arial" panose="020B0604020202020204" pitchFamily="34" charset="0"/>
               </a:rPr>
-              <a:t>SelectReservation.htm</a:t>
+              <a:t>MakeReservation.htm</a:t>
             </a:r>
           </a:p>
         </p:txBody>
@@ -3822,7 +3822,7 @@
                 <a:latin typeface="Arial" panose="020B0604020202020204" pitchFamily="34" charset="0"/>
                 <a:cs typeface="Arial" panose="020B0604020202020204" pitchFamily="34" charset="0"/>
               </a:rPr>
-              <a:t>AdminReservation.htm</a:t>
+              <a:t>AddReservation.htm</a:t>
             </a:r>
           </a:p>
         </p:txBody>
@@ -3885,7 +3885,7 @@
                 <a:latin typeface="Arial" panose="020B0604020202020204" pitchFamily="34" charset="0"/>
                 <a:cs typeface="Arial" panose="020B0604020202020204" pitchFamily="34" charset="0"/>
               </a:rPr>
-              <a:t>DisplayReservation.htm</a:t>
+              <a:t>SearchReservation.htm</a:t>
             </a:r>
           </a:p>
         </p:txBody>
@@ -4117,7 +4117,7 @@
         </p:nvCxnSpPr>
         <p:spPr>
           <a:xfrm flipV="1">
-            <a:off x="5446166" y="2567005"/>
+            <a:off x="5297882" y="2567005"/>
             <a:ext cx="11103" cy="1003660"/>
           </a:xfrm>
           <a:prstGeom prst="line">
@@ -4153,8 +4153,8 @@
         </p:nvSpPr>
         <p:spPr>
           <a:xfrm>
-            <a:off x="5012439" y="2755202"/>
-            <a:ext cx="891591" cy="273141"/>
+            <a:off x="5042539" y="2755202"/>
+            <a:ext cx="506079" cy="273141"/>
           </a:xfrm>
           <a:prstGeom prst="rect">
             <a:avLst/>
@@ -4216,7 +4216,7 @@
         </p:nvSpPr>
         <p:spPr>
           <a:xfrm>
-            <a:off x="4555310" y="3570665"/>
+            <a:off x="4407026" y="3570665"/>
             <a:ext cx="1781712" cy="296211"/>
           </a:xfrm>
           <a:prstGeom prst="flowChartPunchedCard">
@@ -4260,7 +4260,7 @@
                 <a:latin typeface="Arial" panose="020B0604020202020204" pitchFamily="34" charset="0"/>
                 <a:cs typeface="Arial" panose="020B0604020202020204" pitchFamily="34" charset="0"/>
               </a:rPr>
-              <a:t>Spagi_76_Chairs_V_3.xml</a:t>
+              <a:t>Spagi_90_Chairs_V_1.xml</a:t>
             </a:r>
           </a:p>
         </p:txBody>
@@ -4364,7 +4364,7 @@
         </p:nvCxnSpPr>
         <p:spPr>
           <a:xfrm flipH="1" flipV="1">
-            <a:off x="6393722" y="906764"/>
+            <a:off x="6558473" y="906764"/>
             <a:ext cx="47559" cy="5624012"/>
           </a:xfrm>
           <a:prstGeom prst="line">
@@ -4744,7 +4744,7 @@
         </p:nvSpPr>
         <p:spPr>
           <a:xfrm>
-            <a:off x="4787141" y="3865698"/>
+            <a:off x="4638857" y="3865698"/>
             <a:ext cx="1352751" cy="261610"/>
           </a:xfrm>
           <a:prstGeom prst="rect">
@@ -5303,6 +5303,161 @@
               <a:t>files</a:t>
             </a:r>
             <a:endParaRPr lang="de-CH" sz="1100" b="1" dirty="0">
+              <a:latin typeface="Aptos Narrow" panose="020B0004020202020204" pitchFamily="34" charset="0"/>
+            </a:endParaRPr>
+          </a:p>
+        </p:txBody>
+      </p:sp>
+      <p:sp>
+        <p:nvSpPr>
+          <p:cNvPr id="10" name="Rechteck 9">
+            <a:extLst>
+              <a:ext uri="{FF2B5EF4-FFF2-40B4-BE49-F238E27FC236}">
+                <a16:creationId xmlns:a16="http://schemas.microsoft.com/office/drawing/2014/main" id="{147389C3-C344-C19A-B678-A6FFA14DF28A}"/>
+              </a:ext>
+            </a:extLst>
+          </p:cNvPr>
+          <p:cNvSpPr/>
+          <p:nvPr/>
+        </p:nvSpPr>
+        <p:spPr>
+          <a:xfrm>
+            <a:off x="5602511" y="2749553"/>
+            <a:ext cx="876882" cy="273141"/>
+          </a:xfrm>
+          <a:prstGeom prst="rect">
+            <a:avLst/>
+          </a:prstGeom>
+          <a:solidFill>
+            <a:srgbClr val="FFFF00"/>
+          </a:solidFill>
+          <a:ln>
+            <a:solidFill>
+              <a:schemeClr val="tx1"/>
+            </a:solidFill>
+          </a:ln>
+        </p:spPr>
+        <p:style>
+          <a:lnRef idx="2">
+            <a:schemeClr val="accent1">
+              <a:shade val="50000"/>
+            </a:schemeClr>
+          </a:lnRef>
+          <a:fillRef idx="1">
+            <a:schemeClr val="accent1"/>
+          </a:fillRef>
+          <a:effectRef idx="0">
+            <a:schemeClr val="accent1"/>
+          </a:effectRef>
+          <a:fontRef idx="minor">
+            <a:schemeClr val="lt1"/>
+          </a:fontRef>
+        </p:style>
+        <p:txBody>
+          <a:bodyPr rtlCol="0" anchor="ctr"/>
+          <a:lstStyle/>
+          <a:p>
+            <a:pPr algn="ctr"/>
+            <a:r>
+              <a:rPr lang="de-CH" sz="1000" b="1" dirty="0" err="1">
+                <a:solidFill>
+                  <a:schemeClr val="tx1"/>
+                </a:solidFill>
+                <a:latin typeface="Arial" panose="020B0604020202020204" pitchFamily="34" charset="0"/>
+                <a:cs typeface="Arial" panose="020B0604020202020204" pitchFamily="34" charset="0"/>
+              </a:rPr>
+              <a:t>ImagesApp</a:t>
+            </a:r>
+            <a:endParaRPr lang="de-CH" sz="1000" b="1" dirty="0">
+              <a:solidFill>
+                <a:schemeClr val="tx1"/>
+              </a:solidFill>
+              <a:latin typeface="Arial" panose="020B0604020202020204" pitchFamily="34" charset="0"/>
+              <a:cs typeface="Arial" panose="020B0604020202020204" pitchFamily="34" charset="0"/>
+            </a:endParaRPr>
+          </a:p>
+        </p:txBody>
+      </p:sp>
+      <p:cxnSp>
+        <p:nvCxnSpPr>
+          <p:cNvPr id="28" name="Gerader Verbinder 27">
+            <a:extLst>
+              <a:ext uri="{FF2B5EF4-FFF2-40B4-BE49-F238E27FC236}">
+                <a16:creationId xmlns:a16="http://schemas.microsoft.com/office/drawing/2014/main" id="{139D9693-A1BC-818F-C237-4B8B5DE122A9}"/>
+              </a:ext>
+            </a:extLst>
+          </p:cNvPr>
+          <p:cNvCxnSpPr>
+            <a:cxnSpLocks/>
+          </p:cNvCxnSpPr>
+          <p:nvPr/>
+        </p:nvCxnSpPr>
+        <p:spPr>
+          <a:xfrm flipV="1">
+            <a:off x="6047180" y="2603717"/>
+            <a:ext cx="2010" cy="183598"/>
+          </a:xfrm>
+          <a:prstGeom prst="line">
+            <a:avLst/>
+          </a:prstGeom>
+        </p:spPr>
+        <p:style>
+          <a:lnRef idx="1">
+            <a:schemeClr val="accent1"/>
+          </a:lnRef>
+          <a:fillRef idx="0">
+            <a:schemeClr val="accent1"/>
+          </a:fillRef>
+          <a:effectRef idx="0">
+            <a:schemeClr val="accent1"/>
+          </a:effectRef>
+          <a:fontRef idx="minor">
+            <a:schemeClr val="tx1"/>
+          </a:fontRef>
+        </p:style>
+      </p:cxnSp>
+      <p:sp>
+        <p:nvSpPr>
+          <p:cNvPr id="29" name="Textfeld 28">
+            <a:extLst>
+              <a:ext uri="{FF2B5EF4-FFF2-40B4-BE49-F238E27FC236}">
+                <a16:creationId xmlns:a16="http://schemas.microsoft.com/office/drawing/2014/main" id="{06557092-0B7C-846F-117B-D7E4CABA0191}"/>
+              </a:ext>
+            </a:extLst>
+          </p:cNvPr>
+          <p:cNvSpPr txBox="1"/>
+          <p:nvPr/>
+        </p:nvSpPr>
+        <p:spPr>
+          <a:xfrm>
+            <a:off x="5505613" y="3044167"/>
+            <a:ext cx="1125130" cy="261610"/>
+          </a:xfrm>
+          <a:prstGeom prst="rect">
+            <a:avLst/>
+          </a:prstGeom>
+          <a:noFill/>
+        </p:spPr>
+        <p:txBody>
+          <a:bodyPr wrap="square" rtlCol="0">
+            <a:spAutoFit/>
+          </a:bodyPr>
+          <a:lstStyle/>
+          <a:p>
+            <a:pPr algn="ctr"/>
+            <a:r>
+              <a:rPr lang="de-CH" sz="1100" b="1" dirty="0">
+                <a:latin typeface="Aptos Narrow" panose="020B0004020202020204" pitchFamily="34" charset="0"/>
+              </a:rPr>
+              <a:t>Caption </a:t>
+            </a:r>
+            <a:r>
+              <a:rPr lang="de-CH" sz="1100" b="1" dirty="0" err="1">
+                <a:latin typeface="Aptos Narrow" panose="020B0004020202020204" pitchFamily="34" charset="0"/>
+              </a:rPr>
+              <a:t>images</a:t>
+            </a:r>
+            <a:endParaRPr lang="de-CH" b="1" dirty="0">
               <a:latin typeface="Aptos Narrow" panose="020B0004020202020204" pitchFamily="34" charset="0"/>
             </a:endParaRPr>
           </a:p>

--- a/Description/ResrvationNewLayout.pptx
+++ b/Description/ResrvationNewLayout.pptx
@@ -273,7 +273,7 @@
           <a:p>
             <a:fld id="{DDCE6D58-9B57-4731-A47B-3CD41B48F0A9}" type="datetimeFigureOut">
               <a:rPr lang="de-CH" smtClean="0"/>
-              <a:t>16.06.2025</a:t>
+              <a:t>08.11.2025</a:t>
             </a:fld>
             <a:endParaRPr lang="de-CH"/>
           </a:p>
@@ -443,7 +443,7 @@
           <a:p>
             <a:fld id="{DDCE6D58-9B57-4731-A47B-3CD41B48F0A9}" type="datetimeFigureOut">
               <a:rPr lang="de-CH" smtClean="0"/>
-              <a:t>16.06.2025</a:t>
+              <a:t>08.11.2025</a:t>
             </a:fld>
             <a:endParaRPr lang="de-CH"/>
           </a:p>
@@ -623,7 +623,7 @@
           <a:p>
             <a:fld id="{DDCE6D58-9B57-4731-A47B-3CD41B48F0A9}" type="datetimeFigureOut">
               <a:rPr lang="de-CH" smtClean="0"/>
-              <a:t>16.06.2025</a:t>
+              <a:t>08.11.2025</a:t>
             </a:fld>
             <a:endParaRPr lang="de-CH"/>
           </a:p>
@@ -793,7 +793,7 @@
           <a:p>
             <a:fld id="{DDCE6D58-9B57-4731-A47B-3CD41B48F0A9}" type="datetimeFigureOut">
               <a:rPr lang="de-CH" smtClean="0"/>
-              <a:t>16.06.2025</a:t>
+              <a:t>08.11.2025</a:t>
             </a:fld>
             <a:endParaRPr lang="de-CH"/>
           </a:p>
@@ -1039,7 +1039,7 @@
           <a:p>
             <a:fld id="{DDCE6D58-9B57-4731-A47B-3CD41B48F0A9}" type="datetimeFigureOut">
               <a:rPr lang="de-CH" smtClean="0"/>
-              <a:t>16.06.2025</a:t>
+              <a:t>08.11.2025</a:t>
             </a:fld>
             <a:endParaRPr lang="de-CH"/>
           </a:p>
@@ -1271,7 +1271,7 @@
           <a:p>
             <a:fld id="{DDCE6D58-9B57-4731-A47B-3CD41B48F0A9}" type="datetimeFigureOut">
               <a:rPr lang="de-CH" smtClean="0"/>
-              <a:t>16.06.2025</a:t>
+              <a:t>08.11.2025</a:t>
             </a:fld>
             <a:endParaRPr lang="de-CH"/>
           </a:p>
@@ -1638,7 +1638,7 @@
           <a:p>
             <a:fld id="{DDCE6D58-9B57-4731-A47B-3CD41B48F0A9}" type="datetimeFigureOut">
               <a:rPr lang="de-CH" smtClean="0"/>
-              <a:t>16.06.2025</a:t>
+              <a:t>08.11.2025</a:t>
             </a:fld>
             <a:endParaRPr lang="de-CH"/>
           </a:p>
@@ -1756,7 +1756,7 @@
           <a:p>
             <a:fld id="{DDCE6D58-9B57-4731-A47B-3CD41B48F0A9}" type="datetimeFigureOut">
               <a:rPr lang="de-CH" smtClean="0"/>
-              <a:t>16.06.2025</a:t>
+              <a:t>08.11.2025</a:t>
             </a:fld>
             <a:endParaRPr lang="de-CH"/>
           </a:p>
@@ -1851,7 +1851,7 @@
           <a:p>
             <a:fld id="{DDCE6D58-9B57-4731-A47B-3CD41B48F0A9}" type="datetimeFigureOut">
               <a:rPr lang="de-CH" smtClean="0"/>
-              <a:t>16.06.2025</a:t>
+              <a:t>08.11.2025</a:t>
             </a:fld>
             <a:endParaRPr lang="de-CH"/>
           </a:p>
@@ -2128,7 +2128,7 @@
           <a:p>
             <a:fld id="{DDCE6D58-9B57-4731-A47B-3CD41B48F0A9}" type="datetimeFigureOut">
               <a:rPr lang="de-CH" smtClean="0"/>
-              <a:t>16.06.2025</a:t>
+              <a:t>08.11.2025</a:t>
             </a:fld>
             <a:endParaRPr lang="de-CH"/>
           </a:p>
@@ -2381,7 +2381,7 @@
           <a:p>
             <a:fld id="{DDCE6D58-9B57-4731-A47B-3CD41B48F0A9}" type="datetimeFigureOut">
               <a:rPr lang="de-CH" smtClean="0"/>
-              <a:t>16.06.2025</a:t>
+              <a:t>08.11.2025</a:t>
             </a:fld>
             <a:endParaRPr lang="de-CH"/>
           </a:p>
@@ -2594,7 +2594,7 @@
           <a:p>
             <a:fld id="{DDCE6D58-9B57-4731-A47B-3CD41B48F0A9}" type="datetimeFigureOut">
               <a:rPr lang="de-CH" smtClean="0"/>
-              <a:t>16.06.2025</a:t>
+              <a:t>08.11.2025</a:t>
             </a:fld>
             <a:endParaRPr lang="de-CH"/>
           </a:p>
@@ -3161,7 +3161,7 @@
         <p:spPr>
           <a:xfrm flipV="1">
             <a:off x="3039916" y="1326292"/>
-            <a:ext cx="0" cy="1248857"/>
+            <a:ext cx="0" cy="946119"/>
           </a:xfrm>
           <a:prstGeom prst="line">
             <a:avLst/>
@@ -3198,8 +3198,8 @@
         </p:nvCxnSpPr>
         <p:spPr>
           <a:xfrm flipH="1" flipV="1">
-            <a:off x="2952750" y="2565956"/>
-            <a:ext cx="37230" cy="2247954"/>
+            <a:off x="1846821" y="2263218"/>
+            <a:ext cx="15977" cy="3013115"/>
           </a:xfrm>
           <a:prstGeom prst="line">
             <a:avLst/>
@@ -3236,8 +3236,8 @@
         </p:nvCxnSpPr>
         <p:spPr>
           <a:xfrm flipV="1">
-            <a:off x="2802818" y="2575149"/>
-            <a:ext cx="0" cy="1842062"/>
+            <a:off x="1696889" y="2272411"/>
+            <a:ext cx="0" cy="2547399"/>
           </a:xfrm>
           <a:prstGeom prst="line">
             <a:avLst/>
@@ -3275,7 +3275,7 @@
         </p:nvCxnSpPr>
         <p:spPr>
           <a:xfrm flipH="1" flipV="1">
-            <a:off x="2193949" y="2575149"/>
+            <a:off x="1088020" y="2272411"/>
             <a:ext cx="396" cy="186191"/>
           </a:xfrm>
           <a:prstGeom prst="line">
@@ -3313,8 +3313,8 @@
         </p:nvCxnSpPr>
         <p:spPr>
           <a:xfrm>
-            <a:off x="2212914" y="2558457"/>
-            <a:ext cx="3835271" cy="36067"/>
+            <a:off x="1106985" y="2255719"/>
+            <a:ext cx="4863001" cy="32904"/>
           </a:xfrm>
           <a:prstGeom prst="line">
             <a:avLst/>
@@ -3443,7 +3443,7 @@
                 <a:latin typeface="Arial" panose="020B0604020202020204" pitchFamily="34" charset="0"/>
                 <a:cs typeface="Arial" panose="020B0604020202020204" pitchFamily="34" charset="0"/>
               </a:rPr>
-              <a:t>Spagi_90_Chairs_V_1</a:t>
+              <a:t>Spagi_76_Chairs_V_1</a:t>
             </a:r>
           </a:p>
         </p:txBody>
@@ -3502,7 +3502,7 @@
         </p:nvCxnSpPr>
         <p:spPr>
           <a:xfrm flipV="1">
-            <a:off x="4413460" y="2576474"/>
+            <a:off x="4821241" y="2279914"/>
             <a:ext cx="0" cy="166815"/>
           </a:xfrm>
           <a:prstGeom prst="line">
@@ -3535,13 +3535,14 @@
           </p:cNvPr>
           <p:cNvCxnSpPr>
             <a:cxnSpLocks/>
+            <a:stCxn id="18" idx="0"/>
           </p:cNvCxnSpPr>
           <p:nvPr/>
         </p:nvCxnSpPr>
         <p:spPr>
           <a:xfrm flipV="1">
-            <a:off x="2386742" y="2575149"/>
-            <a:ext cx="0" cy="541266"/>
+            <a:off x="1262465" y="2263218"/>
+            <a:ext cx="0" cy="813169"/>
           </a:xfrm>
           <a:prstGeom prst="line">
             <a:avLst/>
@@ -3578,8 +3579,8 @@
         </p:nvCxnSpPr>
         <p:spPr>
           <a:xfrm flipV="1">
-            <a:off x="2508955" y="2565956"/>
-            <a:ext cx="0" cy="982322"/>
+            <a:off x="1403026" y="2263218"/>
+            <a:ext cx="0" cy="1952232"/>
           </a:xfrm>
           <a:prstGeom prst="line">
             <a:avLst/>
@@ -3616,8 +3617,8 @@
         </p:nvCxnSpPr>
         <p:spPr>
           <a:xfrm flipV="1">
-            <a:off x="2647831" y="2565956"/>
-            <a:ext cx="0" cy="1402153"/>
+            <a:off x="1541902" y="2263218"/>
+            <a:ext cx="0" cy="2070788"/>
           </a:xfrm>
           <a:prstGeom prst="line">
             <a:avLst/>
@@ -3652,8 +3653,8 @@
         </p:nvSpPr>
         <p:spPr>
           <a:xfrm>
-            <a:off x="2043375" y="3961836"/>
-            <a:ext cx="1649192" cy="296211"/>
+            <a:off x="935362" y="4334006"/>
+            <a:ext cx="1649192" cy="380348"/>
           </a:xfrm>
           <a:prstGeom prst="flowChartPunchedCard">
             <a:avLst/>
@@ -3689,6 +3690,36 @@
           <a:p>
             <a:pPr algn="ctr"/>
             <a:r>
+              <a:rPr lang="de-CH" sz="800" b="1" i="1" dirty="0">
+                <a:solidFill>
+                  <a:schemeClr val="tx1"/>
+                </a:solidFill>
+                <a:latin typeface="Arial" panose="020B0604020202020204" pitchFamily="34" charset="0"/>
+                <a:cs typeface="Arial" panose="020B0604020202020204" pitchFamily="34" charset="0"/>
+              </a:rPr>
+              <a:t>App: Display </a:t>
+            </a:r>
+            <a:r>
+              <a:rPr lang="de-CH" sz="800" b="1" i="1" dirty="0" err="1">
+                <a:solidFill>
+                  <a:schemeClr val="tx1"/>
+                </a:solidFill>
+                <a:latin typeface="Arial" panose="020B0604020202020204" pitchFamily="34" charset="0"/>
+                <a:cs typeface="Arial" panose="020B0604020202020204" pitchFamily="34" charset="0"/>
+              </a:rPr>
+              <a:t>layout</a:t>
+            </a:r>
+            <a:endParaRPr lang="de-CH" sz="800" b="1" i="1" dirty="0">
+              <a:solidFill>
+                <a:schemeClr val="tx1"/>
+              </a:solidFill>
+              <a:latin typeface="Arial" panose="020B0604020202020204" pitchFamily="34" charset="0"/>
+              <a:cs typeface="Arial" panose="020B0604020202020204" pitchFamily="34" charset="0"/>
+            </a:endParaRPr>
+          </a:p>
+          <a:p>
+            <a:pPr algn="ctr"/>
+            <a:r>
               <a:rPr lang="de-CH" sz="1000" b="1" dirty="0">
                 <a:solidFill>
                   <a:schemeClr val="tx1"/>
@@ -3715,8 +3746,8 @@
         </p:nvSpPr>
         <p:spPr>
           <a:xfrm>
-            <a:off x="1392943" y="2761340"/>
-            <a:ext cx="1602804" cy="255984"/>
+            <a:off x="287014" y="2458602"/>
+            <a:ext cx="1602804" cy="498920"/>
           </a:xfrm>
           <a:prstGeom prst="flowChartPunchedCard">
             <a:avLst/>
@@ -3752,6 +3783,89 @@
           <a:p>
             <a:pPr algn="ctr"/>
             <a:r>
+              <a:rPr lang="de-CH" sz="800" b="1" i="1" dirty="0">
+                <a:solidFill>
+                  <a:schemeClr val="tx1"/>
+                </a:solidFill>
+                <a:latin typeface="Arial" panose="020B0604020202020204" pitchFamily="34" charset="0"/>
+                <a:cs typeface="Arial" panose="020B0604020202020204" pitchFamily="34" charset="0"/>
+              </a:rPr>
+              <a:t>App: Select </a:t>
+            </a:r>
+            <a:r>
+              <a:rPr lang="de-CH" sz="800" b="1" i="1" dirty="0" err="1">
+                <a:solidFill>
+                  <a:schemeClr val="tx1"/>
+                </a:solidFill>
+                <a:latin typeface="Arial" panose="020B0604020202020204" pitchFamily="34" charset="0"/>
+                <a:cs typeface="Arial" panose="020B0604020202020204" pitchFamily="34" charset="0"/>
+              </a:rPr>
+              <a:t>seats</a:t>
+            </a:r>
+            <a:endParaRPr lang="de-CH" sz="800" b="1" i="1" dirty="0">
+              <a:solidFill>
+                <a:schemeClr val="tx1"/>
+              </a:solidFill>
+              <a:latin typeface="Arial" panose="020B0604020202020204" pitchFamily="34" charset="0"/>
+              <a:cs typeface="Arial" panose="020B0604020202020204" pitchFamily="34" charset="0"/>
+            </a:endParaRPr>
+          </a:p>
+          <a:p>
+            <a:pPr algn="ctr"/>
+            <a:r>
+              <a:rPr lang="de-CH" sz="800" b="1" i="1" dirty="0">
+                <a:solidFill>
+                  <a:schemeClr val="tx1"/>
+                </a:solidFill>
+                <a:latin typeface="Arial" panose="020B0604020202020204" pitchFamily="34" charset="0"/>
+                <a:cs typeface="Arial" panose="020B0604020202020204" pitchFamily="34" charset="0"/>
+              </a:rPr>
+              <a:t>(</a:t>
+            </a:r>
+            <a:r>
+              <a:rPr lang="de-CH" sz="800" b="1" i="1" dirty="0" err="1">
+                <a:solidFill>
+                  <a:schemeClr val="tx1"/>
+                </a:solidFill>
+                <a:latin typeface="Arial" panose="020B0604020202020204" pitchFamily="34" charset="0"/>
+                <a:cs typeface="Arial" panose="020B0604020202020204" pitchFamily="34" charset="0"/>
+              </a:rPr>
+              <a:t>homepage</a:t>
+            </a:r>
+            <a:r>
+              <a:rPr lang="de-CH" sz="800" b="1" i="1" dirty="0">
+                <a:solidFill>
+                  <a:schemeClr val="tx1"/>
+                </a:solidFill>
+                <a:latin typeface="Arial" panose="020B0604020202020204" pitchFamily="34" charset="0"/>
+                <a:cs typeface="Arial" panose="020B0604020202020204" pitchFamily="34" charset="0"/>
+              </a:rPr>
+              <a:t> </a:t>
+            </a:r>
+            <a:r>
+              <a:rPr lang="de-CH" sz="800" b="1" i="1" dirty="0" err="1">
+                <a:solidFill>
+                  <a:schemeClr val="tx1"/>
+                </a:solidFill>
+                <a:latin typeface="Arial" panose="020B0604020202020204" pitchFamily="34" charset="0"/>
+                <a:cs typeface="Arial" panose="020B0604020202020204" pitchFamily="34" charset="0"/>
+              </a:rPr>
+              <a:t>opens</a:t>
+            </a:r>
+            <a:r>
+              <a:rPr lang="de-CH" sz="800" b="1" i="1" dirty="0">
+                <a:solidFill>
+                  <a:schemeClr val="tx1"/>
+                </a:solidFill>
+                <a:latin typeface="Arial" panose="020B0604020202020204" pitchFamily="34" charset="0"/>
+                <a:cs typeface="Arial" panose="020B0604020202020204" pitchFamily="34" charset="0"/>
+              </a:rPr>
+              <a:t>)</a:t>
+            </a:r>
+          </a:p>
+          <a:p>
+            <a:pPr algn="ctr"/>
+            <a:r>
               <a:rPr lang="de-CH" sz="1000" b="1" dirty="0">
                 <a:solidFill>
                   <a:schemeClr val="tx1"/>
@@ -3759,7 +3873,7 @@
                 <a:latin typeface="Arial" panose="020B0604020202020204" pitchFamily="34" charset="0"/>
                 <a:cs typeface="Arial" panose="020B0604020202020204" pitchFamily="34" charset="0"/>
               </a:rPr>
-              <a:t>MakeReservation.htm</a:t>
+              <a:t>MakeReservation.htm </a:t>
             </a:r>
           </a:p>
         </p:txBody>
@@ -3778,8 +3892,8 @@
         </p:nvSpPr>
         <p:spPr>
           <a:xfrm>
-            <a:off x="1553686" y="3119335"/>
-            <a:ext cx="1602804" cy="296211"/>
+            <a:off x="461063" y="3076387"/>
+            <a:ext cx="1602804" cy="498920"/>
           </a:xfrm>
           <a:prstGeom prst="flowChartPunchedCard">
             <a:avLst/>
@@ -3815,6 +3929,56 @@
           <a:p>
             <a:pPr algn="ctr"/>
             <a:r>
+              <a:rPr lang="de-CH" sz="800" b="1" dirty="0">
+                <a:solidFill>
+                  <a:schemeClr val="tx1"/>
+                </a:solidFill>
+                <a:latin typeface="Arial" panose="020B0604020202020204" pitchFamily="34" charset="0"/>
+                <a:cs typeface="Arial" panose="020B0604020202020204" pitchFamily="34" charset="0"/>
+              </a:rPr>
+              <a:t>App: </a:t>
+            </a:r>
+            <a:r>
+              <a:rPr lang="de-CH" sz="800" b="1" dirty="0" err="1">
+                <a:solidFill>
+                  <a:schemeClr val="tx1"/>
+                </a:solidFill>
+                <a:latin typeface="Arial" panose="020B0604020202020204" pitchFamily="34" charset="0"/>
+                <a:cs typeface="Arial" panose="020B0604020202020204" pitchFamily="34" charset="0"/>
+              </a:rPr>
+              <a:t>Administrate</a:t>
+            </a:r>
+            <a:r>
+              <a:rPr lang="de-CH" sz="800" b="1" dirty="0">
+                <a:solidFill>
+                  <a:schemeClr val="tx1"/>
+                </a:solidFill>
+                <a:latin typeface="Arial" panose="020B0604020202020204" pitchFamily="34" charset="0"/>
+                <a:cs typeface="Arial" panose="020B0604020202020204" pitchFamily="34" charset="0"/>
+              </a:rPr>
+              <a:t> </a:t>
+            </a:r>
+            <a:r>
+              <a:rPr lang="de-CH" sz="800" b="1" dirty="0" err="1">
+                <a:solidFill>
+                  <a:schemeClr val="tx1"/>
+                </a:solidFill>
+                <a:latin typeface="Arial" panose="020B0604020202020204" pitchFamily="34" charset="0"/>
+                <a:cs typeface="Arial" panose="020B0604020202020204" pitchFamily="34" charset="0"/>
+              </a:rPr>
+              <a:t>reservations</a:t>
+            </a:r>
+            <a:endParaRPr lang="de-CH" sz="800" b="1" dirty="0">
+              <a:solidFill>
+                <a:schemeClr val="tx1"/>
+              </a:solidFill>
+              <a:latin typeface="Arial" panose="020B0604020202020204" pitchFamily="34" charset="0"/>
+              <a:cs typeface="Arial" panose="020B0604020202020204" pitchFamily="34" charset="0"/>
+            </a:endParaRPr>
+          </a:p>
+          <a:p>
+            <a:pPr algn="ctr"/>
+            <a:r>
               <a:rPr lang="de-CH" sz="1000" b="1" dirty="0">
                 <a:solidFill>
                   <a:schemeClr val="tx1"/>
@@ -3841,8 +4005,8 @@
         </p:nvSpPr>
         <p:spPr>
           <a:xfrm>
-            <a:off x="1805439" y="3542005"/>
-            <a:ext cx="1649192" cy="296211"/>
+            <a:off x="699510" y="3675326"/>
+            <a:ext cx="1649192" cy="544508"/>
           </a:xfrm>
           <a:prstGeom prst="flowChartPunchedCard">
             <a:avLst/>
@@ -3878,6 +4042,56 @@
           <a:p>
             <a:pPr algn="ctr"/>
             <a:r>
+              <a:rPr lang="de-CH" sz="800" b="1" i="1" dirty="0">
+                <a:solidFill>
+                  <a:schemeClr val="tx1"/>
+                </a:solidFill>
+                <a:latin typeface="Arial" panose="020B0604020202020204" pitchFamily="34" charset="0"/>
+                <a:cs typeface="Arial" panose="020B0604020202020204" pitchFamily="34" charset="0"/>
+              </a:rPr>
+              <a:t>App: Display and </a:t>
+            </a:r>
+            <a:r>
+              <a:rPr lang="de-CH" sz="800" b="1" i="1" dirty="0" err="1">
+                <a:solidFill>
+                  <a:schemeClr val="tx1"/>
+                </a:solidFill>
+                <a:latin typeface="Arial" panose="020B0604020202020204" pitchFamily="34" charset="0"/>
+                <a:cs typeface="Arial" panose="020B0604020202020204" pitchFamily="34" charset="0"/>
+              </a:rPr>
+              <a:t>search</a:t>
+            </a:r>
+            <a:r>
+              <a:rPr lang="de-CH" sz="800" b="1" i="1" dirty="0">
+                <a:solidFill>
+                  <a:schemeClr val="tx1"/>
+                </a:solidFill>
+                <a:latin typeface="Arial" panose="020B0604020202020204" pitchFamily="34" charset="0"/>
+                <a:cs typeface="Arial" panose="020B0604020202020204" pitchFamily="34" charset="0"/>
+              </a:rPr>
+              <a:t> </a:t>
+            </a:r>
+            <a:r>
+              <a:rPr lang="de-CH" sz="800" b="1" i="1" dirty="0" err="1">
+                <a:solidFill>
+                  <a:schemeClr val="tx1"/>
+                </a:solidFill>
+                <a:latin typeface="Arial" panose="020B0604020202020204" pitchFamily="34" charset="0"/>
+                <a:cs typeface="Arial" panose="020B0604020202020204" pitchFamily="34" charset="0"/>
+              </a:rPr>
+              <a:t>reservations</a:t>
+            </a:r>
+            <a:endParaRPr lang="de-CH" sz="800" b="1" i="1" dirty="0">
+              <a:solidFill>
+                <a:schemeClr val="tx1"/>
+              </a:solidFill>
+              <a:latin typeface="Arial" panose="020B0604020202020204" pitchFamily="34" charset="0"/>
+              <a:cs typeface="Arial" panose="020B0604020202020204" pitchFamily="34" charset="0"/>
+            </a:endParaRPr>
+          </a:p>
+          <a:p>
+            <a:pPr algn="ctr"/>
+            <a:r>
               <a:rPr lang="de-CH" sz="1000" b="1" dirty="0">
                 <a:solidFill>
                   <a:schemeClr val="tx1"/>
@@ -3904,8 +4118,8 @@
         </p:nvSpPr>
         <p:spPr>
           <a:xfrm>
-            <a:off x="3233682" y="2749554"/>
-            <a:ext cx="564436" cy="273141"/>
+            <a:off x="1938624" y="2446816"/>
+            <a:ext cx="825180" cy="406980"/>
           </a:xfrm>
           <a:prstGeom prst="rect">
             <a:avLst/>
@@ -3941,6 +4155,19 @@
           <a:p>
             <a:pPr algn="ctr"/>
             <a:r>
+              <a:rPr lang="de-CH" sz="800" b="1" i="1" dirty="0">
+                <a:solidFill>
+                  <a:schemeClr val="tx1"/>
+                </a:solidFill>
+                <a:latin typeface="Arial" panose="020B0604020202020204" pitchFamily="34" charset="0"/>
+                <a:cs typeface="Arial" panose="020B0604020202020204" pitchFamily="34" charset="0"/>
+              </a:rPr>
+              <a:t>JavaScripts</a:t>
+            </a:r>
+          </a:p>
+          <a:p>
+            <a:pPr algn="ctr"/>
+            <a:r>
               <a:rPr lang="de-CH" sz="1000" b="1" dirty="0" err="1">
                 <a:solidFill>
                   <a:schemeClr val="tx1"/>
@@ -3974,8 +4201,8 @@
         </p:nvSpPr>
         <p:spPr>
           <a:xfrm>
-            <a:off x="3870515" y="2749555"/>
-            <a:ext cx="1090528" cy="273141"/>
+            <a:off x="4278296" y="2446817"/>
+            <a:ext cx="1060178" cy="406980"/>
           </a:xfrm>
           <a:prstGeom prst="rect">
             <a:avLst/>
@@ -4011,6 +4238,36 @@
           <a:p>
             <a:pPr algn="ctr"/>
             <a:r>
+              <a:rPr lang="de-CH" sz="800" b="1" i="1" dirty="0">
+                <a:solidFill>
+                  <a:schemeClr val="tx1"/>
+                </a:solidFill>
+                <a:latin typeface="Arial" panose="020B0604020202020204" pitchFamily="34" charset="0"/>
+                <a:cs typeface="Arial" panose="020B0604020202020204" pitchFamily="34" charset="0"/>
+              </a:rPr>
+              <a:t>Layout </a:t>
+            </a:r>
+            <a:r>
+              <a:rPr lang="de-CH" sz="800" b="1" i="1" dirty="0" err="1">
+                <a:solidFill>
+                  <a:schemeClr val="tx1"/>
+                </a:solidFill>
+                <a:latin typeface="Arial" panose="020B0604020202020204" pitchFamily="34" charset="0"/>
+                <a:cs typeface="Arial" panose="020B0604020202020204" pitchFamily="34" charset="0"/>
+              </a:rPr>
+              <a:t>images</a:t>
+            </a:r>
+            <a:endParaRPr lang="de-CH" sz="800" b="1" i="1" dirty="0">
+              <a:solidFill>
+                <a:schemeClr val="tx1"/>
+              </a:solidFill>
+              <a:latin typeface="Arial" panose="020B0604020202020204" pitchFamily="34" charset="0"/>
+              <a:cs typeface="Arial" panose="020B0604020202020204" pitchFamily="34" charset="0"/>
+            </a:endParaRPr>
+          </a:p>
+          <a:p>
+            <a:pPr algn="ctr"/>
+            <a:r>
               <a:rPr lang="de-CH" sz="1000" b="1" dirty="0" err="1">
                 <a:solidFill>
                   <a:schemeClr val="tx1"/>
@@ -4044,8 +4301,8 @@
         </p:nvSpPr>
         <p:spPr>
           <a:xfrm>
-            <a:off x="8018280" y="2718570"/>
-            <a:ext cx="1244733" cy="273141"/>
+            <a:off x="5386305" y="2453410"/>
+            <a:ext cx="1060177" cy="406980"/>
           </a:xfrm>
           <a:prstGeom prst="rect">
             <a:avLst/>
@@ -4081,7 +4338,37 @@
           <a:p>
             <a:pPr algn="ctr"/>
             <a:r>
-              <a:rPr lang="de-CH" sz="1000" b="1">
+              <a:rPr lang="de-CH" sz="800" b="1" i="1" dirty="0">
+                <a:solidFill>
+                  <a:schemeClr val="tx1"/>
+                </a:solidFill>
+                <a:latin typeface="Arial" panose="020B0604020202020204" pitchFamily="34" charset="0"/>
+                <a:cs typeface="Arial" panose="020B0604020202020204" pitchFamily="34" charset="0"/>
+              </a:rPr>
+              <a:t>Season XML </a:t>
+            </a:r>
+            <a:r>
+              <a:rPr lang="de-CH" sz="800" b="1" i="1" dirty="0" err="1">
+                <a:solidFill>
+                  <a:schemeClr val="tx1"/>
+                </a:solidFill>
+                <a:latin typeface="Arial" panose="020B0604020202020204" pitchFamily="34" charset="0"/>
+                <a:cs typeface="Arial" panose="020B0604020202020204" pitchFamily="34" charset="0"/>
+              </a:rPr>
+              <a:t>files</a:t>
+            </a:r>
+            <a:endParaRPr lang="de-CH" sz="800" b="1" i="1" dirty="0">
+              <a:solidFill>
+                <a:schemeClr val="tx1"/>
+              </a:solidFill>
+              <a:latin typeface="Arial" panose="020B0604020202020204" pitchFamily="34" charset="0"/>
+              <a:cs typeface="Arial" panose="020B0604020202020204" pitchFamily="34" charset="0"/>
+            </a:endParaRPr>
+          </a:p>
+          <a:p>
+            <a:pPr algn="ctr"/>
+            <a:r>
+              <a:rPr lang="de-CH" sz="1000" b="1" dirty="0" err="1">
                 <a:solidFill>
                   <a:schemeClr val="tx1"/>
                 </a:solidFill>
@@ -4117,8 +4404,8 @@
         </p:nvCxnSpPr>
         <p:spPr>
           <a:xfrm flipV="1">
-            <a:off x="5297882" y="2567005"/>
-            <a:ext cx="11103" cy="1003660"/>
+            <a:off x="3055128" y="2270496"/>
+            <a:ext cx="9093" cy="812082"/>
           </a:xfrm>
           <a:prstGeom prst="line">
             <a:avLst/>
@@ -4153,8 +4440,8 @@
         </p:nvSpPr>
         <p:spPr>
           <a:xfrm>
-            <a:off x="5042539" y="2755202"/>
-            <a:ext cx="506079" cy="273141"/>
+            <a:off x="2799785" y="2452464"/>
+            <a:ext cx="506079" cy="401332"/>
           </a:xfrm>
           <a:prstGeom prst="rect">
             <a:avLst/>
@@ -4216,8 +4503,8 @@
         </p:nvSpPr>
         <p:spPr>
           <a:xfrm>
-            <a:off x="4407026" y="3570665"/>
-            <a:ext cx="1781712" cy="296211"/>
+            <a:off x="2164272" y="3082578"/>
+            <a:ext cx="1781712" cy="401332"/>
           </a:xfrm>
           <a:prstGeom prst="flowChartPunchedCard">
             <a:avLst/>
@@ -4253,6 +4540,66 @@
           <a:p>
             <a:pPr algn="ctr"/>
             <a:r>
+              <a:rPr lang="de-CH" sz="800" b="1" i="1" dirty="0" err="1">
+                <a:solidFill>
+                  <a:schemeClr val="tx1"/>
+                </a:solidFill>
+                <a:latin typeface="Arial" panose="020B0604020202020204" pitchFamily="34" charset="0"/>
+                <a:cs typeface="Arial" panose="020B0604020202020204" pitchFamily="34" charset="0"/>
+              </a:rPr>
+              <a:t>Defines</a:t>
+            </a:r>
+            <a:r>
+              <a:rPr lang="de-CH" sz="800" b="1" i="1" dirty="0">
+                <a:solidFill>
+                  <a:schemeClr val="tx1"/>
+                </a:solidFill>
+                <a:latin typeface="Arial" panose="020B0604020202020204" pitchFamily="34" charset="0"/>
+                <a:cs typeface="Arial" panose="020B0604020202020204" pitchFamily="34" charset="0"/>
+              </a:rPr>
+              <a:t> </a:t>
+            </a:r>
+            <a:r>
+              <a:rPr lang="de-CH" sz="800" b="1" i="1" dirty="0" err="1">
+                <a:solidFill>
+                  <a:schemeClr val="tx1"/>
+                </a:solidFill>
+                <a:latin typeface="Arial" panose="020B0604020202020204" pitchFamily="34" charset="0"/>
+                <a:cs typeface="Arial" panose="020B0604020202020204" pitchFamily="34" charset="0"/>
+              </a:rPr>
+              <a:t>the</a:t>
+            </a:r>
+            <a:r>
+              <a:rPr lang="de-CH" sz="800" b="1" i="1" dirty="0">
+                <a:solidFill>
+                  <a:schemeClr val="tx1"/>
+                </a:solidFill>
+                <a:latin typeface="Arial" panose="020B0604020202020204" pitchFamily="34" charset="0"/>
+                <a:cs typeface="Arial" panose="020B0604020202020204" pitchFamily="34" charset="0"/>
+              </a:rPr>
+              <a:t> </a:t>
+            </a:r>
+            <a:r>
+              <a:rPr lang="de-CH" sz="800" b="1" i="1" dirty="0" err="1">
+                <a:solidFill>
+                  <a:schemeClr val="tx1"/>
+                </a:solidFill>
+                <a:latin typeface="Arial" panose="020B0604020202020204" pitchFamily="34" charset="0"/>
+                <a:cs typeface="Arial" panose="020B0604020202020204" pitchFamily="34" charset="0"/>
+              </a:rPr>
+              <a:t>layout</a:t>
+            </a:r>
+            <a:endParaRPr lang="de-CH" sz="800" b="1" i="1" dirty="0">
+              <a:solidFill>
+                <a:schemeClr val="tx1"/>
+              </a:solidFill>
+              <a:latin typeface="Arial" panose="020B0604020202020204" pitchFamily="34" charset="0"/>
+              <a:cs typeface="Arial" panose="020B0604020202020204" pitchFamily="34" charset="0"/>
+            </a:endParaRPr>
+          </a:p>
+          <a:p>
+            <a:pPr algn="ctr"/>
+            <a:r>
               <a:rPr lang="de-CH" sz="1000" b="1" dirty="0">
                 <a:solidFill>
                   <a:schemeClr val="tx1"/>
@@ -4260,91 +4607,8 @@
                 <a:latin typeface="Arial" panose="020B0604020202020204" pitchFamily="34" charset="0"/>
                 <a:cs typeface="Arial" panose="020B0604020202020204" pitchFamily="34" charset="0"/>
               </a:rPr>
-              <a:t>Spagi_90_Chairs_V_1.xml</a:t>
-            </a:r>
-          </a:p>
-        </p:txBody>
-      </p:sp>
-      <p:sp>
-        <p:nvSpPr>
-          <p:cNvPr id="26" name="Textfeld 25">
-            <a:extLst>
-              <a:ext uri="{FF2B5EF4-FFF2-40B4-BE49-F238E27FC236}">
-                <a16:creationId xmlns:a16="http://schemas.microsoft.com/office/drawing/2014/main" id="{C28D1700-C7B8-D60C-DDD7-B640C1608639}"/>
-              </a:ext>
-            </a:extLst>
-          </p:cNvPr>
-          <p:cNvSpPr txBox="1"/>
-          <p:nvPr/>
-        </p:nvSpPr>
-        <p:spPr>
-          <a:xfrm>
-            <a:off x="3121313" y="3007770"/>
-            <a:ext cx="824787" cy="261610"/>
-          </a:xfrm>
-          <a:prstGeom prst="rect">
-            <a:avLst/>
-          </a:prstGeom>
-          <a:noFill/>
-        </p:spPr>
-        <p:txBody>
-          <a:bodyPr wrap="square" rtlCol="0">
-            <a:spAutoFit/>
-          </a:bodyPr>
-          <a:lstStyle/>
-          <a:p>
-            <a:r>
-              <a:rPr lang="de-CH" sz="1100" b="1" dirty="0"/>
-              <a:t>JavaScripts</a:t>
-            </a:r>
-            <a:endParaRPr lang="de-CH" b="1" dirty="0"/>
-          </a:p>
-        </p:txBody>
-      </p:sp>
-      <p:sp>
-        <p:nvSpPr>
-          <p:cNvPr id="27" name="Textfeld 26">
-            <a:extLst>
-              <a:ext uri="{FF2B5EF4-FFF2-40B4-BE49-F238E27FC236}">
-                <a16:creationId xmlns:a16="http://schemas.microsoft.com/office/drawing/2014/main" id="{AB026A52-43AC-4441-8473-E01083207D97}"/>
-              </a:ext>
-            </a:extLst>
-          </p:cNvPr>
-          <p:cNvSpPr txBox="1"/>
-          <p:nvPr/>
-        </p:nvSpPr>
-        <p:spPr>
-          <a:xfrm>
-            <a:off x="3879484" y="3002294"/>
-            <a:ext cx="1125130" cy="261610"/>
-          </a:xfrm>
-          <a:prstGeom prst="rect">
-            <a:avLst/>
-          </a:prstGeom>
-          <a:noFill/>
-        </p:spPr>
-        <p:txBody>
-          <a:bodyPr wrap="square" rtlCol="0">
-            <a:spAutoFit/>
-          </a:bodyPr>
-          <a:lstStyle/>
-          <a:p>
-            <a:pPr algn="ctr"/>
-            <a:r>
-              <a:rPr lang="de-CH" sz="1100" b="1" dirty="0">
-                <a:latin typeface="Aptos Narrow" panose="020B0004020202020204" pitchFamily="34" charset="0"/>
-              </a:rPr>
-              <a:t>Layout </a:t>
-            </a:r>
-            <a:r>
-              <a:rPr lang="de-CH" sz="1100" b="1" dirty="0" err="1">
-                <a:latin typeface="Aptos Narrow" panose="020B0004020202020204" pitchFamily="34" charset="0"/>
-              </a:rPr>
-              <a:t>images</a:t>
-            </a:r>
-            <a:endParaRPr lang="de-CH" b="1" dirty="0">
-              <a:latin typeface="Aptos Narrow" panose="020B0004020202020204" pitchFamily="34" charset="0"/>
-            </a:endParaRPr>
+              <a:t>Spagi_76_Chairs_V_1.xml</a:t>
+            </a:r>
           </a:p>
         </p:txBody>
       </p:sp>
@@ -4438,8 +4702,8 @@
         </p:nvSpPr>
         <p:spPr>
           <a:xfrm>
-            <a:off x="2316824" y="4350883"/>
-            <a:ext cx="1649192" cy="296211"/>
+            <a:off x="1239271" y="4819810"/>
+            <a:ext cx="1649192" cy="380348"/>
           </a:xfrm>
           <a:prstGeom prst="flowChartPunchedCard">
             <a:avLst/>
@@ -4475,6 +4739,36 @@
           <a:p>
             <a:pPr algn="ctr"/>
             <a:r>
+              <a:rPr lang="de-CH" sz="800" b="1" i="1" dirty="0">
+                <a:solidFill>
+                  <a:schemeClr val="tx1"/>
+                </a:solidFill>
+                <a:latin typeface="Arial" panose="020B0604020202020204" pitchFamily="34" charset="0"/>
+                <a:cs typeface="Arial" panose="020B0604020202020204" pitchFamily="34" charset="0"/>
+              </a:rPr>
+              <a:t>List </a:t>
+            </a:r>
+            <a:r>
+              <a:rPr lang="de-CH" sz="800" b="1" i="1" dirty="0" err="1">
+                <a:solidFill>
+                  <a:schemeClr val="tx1"/>
+                </a:solidFill>
+                <a:latin typeface="Arial" panose="020B0604020202020204" pitchFamily="34" charset="0"/>
+                <a:cs typeface="Arial" panose="020B0604020202020204" pitchFamily="34" charset="0"/>
+              </a:rPr>
+              <a:t>reservations</a:t>
+            </a:r>
+            <a:endParaRPr lang="de-CH" sz="800" b="1" i="1" dirty="0">
+              <a:solidFill>
+                <a:schemeClr val="tx1"/>
+              </a:solidFill>
+              <a:latin typeface="Arial" panose="020B0604020202020204" pitchFamily="34" charset="0"/>
+              <a:cs typeface="Arial" panose="020B0604020202020204" pitchFamily="34" charset="0"/>
+            </a:endParaRPr>
+          </a:p>
+          <a:p>
+            <a:pPr algn="ctr"/>
+            <a:r>
               <a:rPr lang="de-CH" sz="1000" b="1" dirty="0">
                 <a:solidFill>
                   <a:schemeClr val="tx1"/>
@@ -4501,8 +4795,8 @@
         </p:nvSpPr>
         <p:spPr>
           <a:xfrm>
-            <a:off x="2633641" y="4771613"/>
-            <a:ext cx="1649192" cy="296211"/>
+            <a:off x="1460624" y="5276333"/>
+            <a:ext cx="1649192" cy="329985"/>
           </a:xfrm>
           <a:prstGeom prst="flowChartPunchedCard">
             <a:avLst/>
@@ -4538,6 +4832,36 @@
           <a:p>
             <a:pPr algn="ctr"/>
             <a:r>
+              <a:rPr lang="de-CH" sz="800" b="1" i="1" dirty="0">
+                <a:solidFill>
+                  <a:schemeClr val="tx1"/>
+                </a:solidFill>
+                <a:latin typeface="Arial" panose="020B0604020202020204" pitchFamily="34" charset="0"/>
+                <a:cs typeface="Arial" panose="020B0604020202020204" pitchFamily="34" charset="0"/>
+              </a:rPr>
+              <a:t>Print </a:t>
+            </a:r>
+            <a:r>
+              <a:rPr lang="de-CH" sz="800" b="1" i="1" dirty="0" err="1">
+                <a:solidFill>
+                  <a:schemeClr val="tx1"/>
+                </a:solidFill>
+                <a:latin typeface="Arial" panose="020B0604020202020204" pitchFamily="34" charset="0"/>
+                <a:cs typeface="Arial" panose="020B0604020202020204" pitchFamily="34" charset="0"/>
+              </a:rPr>
+              <a:t>reservations</a:t>
+            </a:r>
+            <a:endParaRPr lang="de-CH" sz="800" b="1" i="1" dirty="0">
+              <a:solidFill>
+                <a:schemeClr val="tx1"/>
+              </a:solidFill>
+              <a:latin typeface="Arial" panose="020B0604020202020204" pitchFamily="34" charset="0"/>
+              <a:cs typeface="Arial" panose="020B0604020202020204" pitchFamily="34" charset="0"/>
+            </a:endParaRPr>
+          </a:p>
+          <a:p>
+            <a:pPr algn="ctr"/>
+            <a:r>
               <a:rPr lang="de-CH" sz="1000" b="1" dirty="0">
                 <a:solidFill>
                   <a:schemeClr val="tx1"/>
@@ -4670,8 +4994,8 @@
         </p:nvCxnSpPr>
         <p:spPr>
           <a:xfrm flipV="1">
-            <a:off x="3515900" y="2565956"/>
-            <a:ext cx="2010" cy="183598"/>
+            <a:off x="2351214" y="2291786"/>
+            <a:ext cx="1" cy="155030"/>
           </a:xfrm>
           <a:prstGeom prst="line">
             <a:avLst/>
@@ -4707,9 +5031,9 @@
           <p:nvPr/>
         </p:nvCxnSpPr>
         <p:spPr>
-          <a:xfrm flipV="1">
-            <a:off x="8601961" y="2528701"/>
-            <a:ext cx="0" cy="166815"/>
+          <a:xfrm>
+            <a:off x="5969986" y="2288623"/>
+            <a:ext cx="0" cy="155510"/>
           </a:xfrm>
           <a:prstGeom prst="line">
             <a:avLst/>
@@ -4732,10 +5056,10 @@
       </p:cxnSp>
       <p:sp>
         <p:nvSpPr>
-          <p:cNvPr id="43" name="Textfeld 42">
-            <a:extLst>
-              <a:ext uri="{FF2B5EF4-FFF2-40B4-BE49-F238E27FC236}">
-                <a16:creationId xmlns:a16="http://schemas.microsoft.com/office/drawing/2014/main" id="{F1E2E7B6-9CAA-ECF0-072C-F86433E1ACF8}"/>
+          <p:cNvPr id="55" name="Textfeld 54">
+            <a:extLst>
+              <a:ext uri="{FF2B5EF4-FFF2-40B4-BE49-F238E27FC236}">
+                <a16:creationId xmlns:a16="http://schemas.microsoft.com/office/drawing/2014/main" id="{B27DF9EA-0505-5312-416C-BAA8496DA828}"/>
               </a:ext>
             </a:extLst>
           </p:cNvPr>
@@ -4744,8 +5068,96 @@
         </p:nvSpPr>
         <p:spPr>
           <a:xfrm>
-            <a:off x="4638857" y="3865698"/>
-            <a:ext cx="1352751" cy="261610"/>
+            <a:off x="0" y="108741"/>
+            <a:ext cx="12192000" cy="369332"/>
+          </a:xfrm>
+          <a:prstGeom prst="rect">
+            <a:avLst/>
+          </a:prstGeom>
+          <a:noFill/>
+        </p:spPr>
+        <p:txBody>
+          <a:bodyPr wrap="square">
+            <a:spAutoFit/>
+          </a:bodyPr>
+          <a:lstStyle/>
+          <a:p>
+            <a:pPr algn="ctr"/>
+            <a:r>
+              <a:rPr lang="de-CH" b="1" dirty="0" err="1">
+                <a:latin typeface="Arial" panose="020B0604020202020204" pitchFamily="34" charset="0"/>
+                <a:cs typeface="Arial" panose="020B0604020202020204" pitchFamily="34" charset="0"/>
+              </a:rPr>
+              <a:t>Generated</a:t>
+            </a:r>
+            <a:r>
+              <a:rPr lang="de-CH" b="1" dirty="0">
+                <a:latin typeface="Arial" panose="020B0604020202020204" pitchFamily="34" charset="0"/>
+                <a:cs typeface="Arial" panose="020B0604020202020204" pitchFamily="34" charset="0"/>
+              </a:rPr>
+              <a:t> </a:t>
+            </a:r>
+            <a:r>
+              <a:rPr lang="de-CH" b="1" dirty="0" err="1">
+                <a:latin typeface="Arial" panose="020B0604020202020204" pitchFamily="34" charset="0"/>
+                <a:cs typeface="Arial" panose="020B0604020202020204" pitchFamily="34" charset="0"/>
+              </a:rPr>
+              <a:t>directories</a:t>
+            </a:r>
+            <a:r>
+              <a:rPr lang="de-CH" b="1" dirty="0">
+                <a:latin typeface="Arial" panose="020B0604020202020204" pitchFamily="34" charset="0"/>
+                <a:cs typeface="Arial" panose="020B0604020202020204" pitchFamily="34" charset="0"/>
+              </a:rPr>
+              <a:t> </a:t>
+            </a:r>
+            <a:r>
+              <a:rPr lang="de-CH" b="1" dirty="0" err="1">
+                <a:latin typeface="Arial" panose="020B0604020202020204" pitchFamily="34" charset="0"/>
+                <a:cs typeface="Arial" panose="020B0604020202020204" pitchFamily="34" charset="0"/>
+              </a:rPr>
+              <a:t>for</a:t>
+            </a:r>
+            <a:r>
+              <a:rPr lang="de-CH" b="1" dirty="0">
+                <a:latin typeface="Arial" panose="020B0604020202020204" pitchFamily="34" charset="0"/>
+                <a:cs typeface="Arial" panose="020B0604020202020204" pitchFamily="34" charset="0"/>
+              </a:rPr>
+              <a:t> a </a:t>
+            </a:r>
+            <a:r>
+              <a:rPr lang="de-CH" b="1" dirty="0" err="1">
+                <a:latin typeface="Arial" panose="020B0604020202020204" pitchFamily="34" charset="0"/>
+                <a:cs typeface="Arial" panose="020B0604020202020204" pitchFamily="34" charset="0"/>
+              </a:rPr>
+              <a:t>seating</a:t>
+            </a:r>
+            <a:r>
+              <a:rPr lang="de-CH" b="1" dirty="0">
+                <a:latin typeface="Arial" panose="020B0604020202020204" pitchFamily="34" charset="0"/>
+                <a:cs typeface="Arial" panose="020B0604020202020204" pitchFamily="34" charset="0"/>
+              </a:rPr>
+              <a:t> plan</a:t>
+            </a:r>
+          </a:p>
+        </p:txBody>
+      </p:sp>
+      <p:sp>
+        <p:nvSpPr>
+          <p:cNvPr id="5" name="Textfeld 4">
+            <a:extLst>
+              <a:ext uri="{FF2B5EF4-FFF2-40B4-BE49-F238E27FC236}">
+                <a16:creationId xmlns:a16="http://schemas.microsoft.com/office/drawing/2014/main" id="{F8D49A10-6B41-21E2-B8C2-CBC1A4436497}"/>
+              </a:ext>
+            </a:extLst>
+          </p:cNvPr>
+          <p:cNvSpPr txBox="1"/>
+          <p:nvPr/>
+        </p:nvSpPr>
+        <p:spPr>
+          <a:xfrm>
+            <a:off x="7746945" y="2984659"/>
+            <a:ext cx="1905996" cy="430887"/>
           </a:xfrm>
           <a:prstGeom prst="rect">
             <a:avLst/>
@@ -4760,217 +5172,58 @@
           <a:p>
             <a:pPr algn="ctr"/>
             <a:r>
+              <a:rPr lang="de-CH" sz="1100" b="1" dirty="0">
+                <a:latin typeface="Aptos Narrow" panose="020B0004020202020204" pitchFamily="34" charset="0"/>
+              </a:rPr>
+              <a:t>Event </a:t>
+            </a:r>
+            <a:r>
               <a:rPr lang="de-CH" sz="1100" b="1" dirty="0" err="1">
                 <a:latin typeface="Aptos Narrow" panose="020B0004020202020204" pitchFamily="34" charset="0"/>
               </a:rPr>
-              <a:t>Defines</a:t>
+              <a:t>program</a:t>
             </a:r>
             <a:r>
               <a:rPr lang="de-CH" sz="1100" b="1" dirty="0">
                 <a:latin typeface="Aptos Narrow" panose="020B0004020202020204" pitchFamily="34" charset="0"/>
               </a:rPr>
-              <a:t> </a:t>
+              <a:t> XML </a:t>
             </a:r>
             <a:r>
               <a:rPr lang="de-CH" sz="1100" b="1" dirty="0" err="1">
                 <a:latin typeface="Aptos Narrow" panose="020B0004020202020204" pitchFamily="34" charset="0"/>
               </a:rPr>
-              <a:t>the</a:t>
-            </a:r>
-            <a:r>
-              <a:rPr lang="de-CH" sz="1100" b="1" dirty="0">
-                <a:latin typeface="Aptos Narrow" panose="020B0004020202020204" pitchFamily="34" charset="0"/>
-              </a:rPr>
-              <a:t> </a:t>
-            </a:r>
-            <a:r>
-              <a:rPr lang="de-CH" sz="1100" b="1" dirty="0" err="1">
-                <a:latin typeface="Aptos Narrow" panose="020B0004020202020204" pitchFamily="34" charset="0"/>
-              </a:rPr>
-              <a:t>layout</a:t>
-            </a:r>
-            <a:endParaRPr lang="de-CH" b="1" dirty="0">
-              <a:latin typeface="Aptos Narrow" panose="020B0004020202020204" pitchFamily="34" charset="0"/>
-            </a:endParaRPr>
-          </a:p>
-        </p:txBody>
-      </p:sp>
-      <p:sp>
-        <p:nvSpPr>
-          <p:cNvPr id="48" name="Textfeld 47">
-            <a:extLst>
-              <a:ext uri="{FF2B5EF4-FFF2-40B4-BE49-F238E27FC236}">
-                <a16:creationId xmlns:a16="http://schemas.microsoft.com/office/drawing/2014/main" id="{284968A6-3C21-B508-C41E-CB98EE46192E}"/>
-              </a:ext>
-            </a:extLst>
-          </p:cNvPr>
-          <p:cNvSpPr txBox="1"/>
-          <p:nvPr/>
-        </p:nvSpPr>
-        <p:spPr>
-          <a:xfrm>
-            <a:off x="120142" y="2745360"/>
-            <a:ext cx="1271727" cy="261610"/>
-          </a:xfrm>
-          <a:prstGeom prst="rect">
-            <a:avLst/>
-          </a:prstGeom>
-          <a:noFill/>
-        </p:spPr>
-        <p:txBody>
-          <a:bodyPr wrap="square" rtlCol="0">
-            <a:spAutoFit/>
-          </a:bodyPr>
-          <a:lstStyle/>
-          <a:p>
-            <a:pPr algn="r"/>
-            <a:r>
-              <a:rPr lang="de-CH" sz="1100" b="1" dirty="0">
-                <a:latin typeface="Aptos Narrow" panose="020B0004020202020204" pitchFamily="34" charset="0"/>
-              </a:rPr>
-              <a:t>App: Select </a:t>
-            </a:r>
-            <a:r>
-              <a:rPr lang="de-CH" sz="1100" b="1" dirty="0" err="1">
-                <a:latin typeface="Aptos Narrow" panose="020B0004020202020204" pitchFamily="34" charset="0"/>
-              </a:rPr>
-              <a:t>seats</a:t>
-            </a:r>
-            <a:endParaRPr lang="de-CH" b="1" dirty="0">
-              <a:latin typeface="Aptos Narrow" panose="020B0004020202020204" pitchFamily="34" charset="0"/>
-            </a:endParaRPr>
-          </a:p>
-        </p:txBody>
-      </p:sp>
-      <p:sp>
-        <p:nvSpPr>
-          <p:cNvPr id="49" name="Textfeld 48">
-            <a:extLst>
-              <a:ext uri="{FF2B5EF4-FFF2-40B4-BE49-F238E27FC236}">
-                <a16:creationId xmlns:a16="http://schemas.microsoft.com/office/drawing/2014/main" id="{4C2C8CFC-37CF-19EC-292E-C4E0F30733F7}"/>
-              </a:ext>
-            </a:extLst>
-          </p:cNvPr>
-          <p:cNvSpPr txBox="1"/>
-          <p:nvPr/>
-        </p:nvSpPr>
-        <p:spPr>
-          <a:xfrm>
-            <a:off x="217427" y="3066998"/>
-            <a:ext cx="1402037" cy="430887"/>
-          </a:xfrm>
-          <a:prstGeom prst="rect">
-            <a:avLst/>
-          </a:prstGeom>
-          <a:noFill/>
-        </p:spPr>
-        <p:txBody>
-          <a:bodyPr wrap="square" rtlCol="0">
-            <a:spAutoFit/>
-          </a:bodyPr>
-          <a:lstStyle/>
-          <a:p>
-            <a:pPr algn="r"/>
-            <a:r>
-              <a:rPr lang="de-CH" sz="1100" b="1" dirty="0">
-                <a:latin typeface="Aptos Narrow" panose="020B0004020202020204" pitchFamily="34" charset="0"/>
-              </a:rPr>
-              <a:t>App: </a:t>
-            </a:r>
-            <a:r>
-              <a:rPr lang="de-CH" sz="1100" b="1" dirty="0" err="1">
-                <a:latin typeface="Aptos Narrow" panose="020B0004020202020204" pitchFamily="34" charset="0"/>
-              </a:rPr>
-              <a:t>Adminstrate</a:t>
-            </a:r>
-            <a:r>
-              <a:rPr lang="de-CH" sz="1100" b="1" dirty="0">
-                <a:latin typeface="Aptos Narrow" panose="020B0004020202020204" pitchFamily="34" charset="0"/>
-              </a:rPr>
-              <a:t> </a:t>
-            </a:r>
-          </a:p>
-          <a:p>
-            <a:pPr algn="r"/>
-            <a:r>
-              <a:rPr lang="de-CH" sz="1100" b="1" dirty="0">
-                <a:latin typeface="Aptos Narrow" panose="020B0004020202020204" pitchFamily="34" charset="0"/>
-              </a:rPr>
-              <a:t>            </a:t>
-            </a:r>
-            <a:r>
-              <a:rPr lang="de-CH" sz="1100" b="1" dirty="0" err="1">
-                <a:latin typeface="Aptos Narrow" panose="020B0004020202020204" pitchFamily="34" charset="0"/>
-              </a:rPr>
-              <a:t>reservations</a:t>
+              <a:t>file</a:t>
             </a:r>
             <a:endParaRPr lang="de-CH" sz="1100" b="1" dirty="0">
               <a:latin typeface="Aptos Narrow" panose="020B0004020202020204" pitchFamily="34" charset="0"/>
             </a:endParaRPr>
           </a:p>
-        </p:txBody>
-      </p:sp>
-      <p:sp>
-        <p:nvSpPr>
-          <p:cNvPr id="50" name="Textfeld 49">
-            <a:extLst>
-              <a:ext uri="{FF2B5EF4-FFF2-40B4-BE49-F238E27FC236}">
-                <a16:creationId xmlns:a16="http://schemas.microsoft.com/office/drawing/2014/main" id="{85271A2C-049C-1E49-A8FE-5BF0E57D4E6E}"/>
-              </a:ext>
-            </a:extLst>
-          </p:cNvPr>
-          <p:cNvSpPr txBox="1"/>
-          <p:nvPr/>
-        </p:nvSpPr>
-        <p:spPr>
-          <a:xfrm>
-            <a:off x="146616" y="3459035"/>
-            <a:ext cx="1649192" cy="430887"/>
-          </a:xfrm>
-          <a:prstGeom prst="rect">
-            <a:avLst/>
-          </a:prstGeom>
-          <a:noFill/>
-        </p:spPr>
-        <p:txBody>
-          <a:bodyPr wrap="square" rtlCol="0">
-            <a:spAutoFit/>
-          </a:bodyPr>
-          <a:lstStyle/>
-          <a:p>
-            <a:pPr algn="r"/>
+          <a:p>
+            <a:pPr algn="ctr"/>
             <a:r>
               <a:rPr lang="de-CH" sz="1100" b="1" dirty="0">
                 <a:latin typeface="Aptos Narrow" panose="020B0004020202020204" pitchFamily="34" charset="0"/>
               </a:rPr>
-              <a:t>App: Display and </a:t>
+              <a:t>Event </a:t>
             </a:r>
             <a:r>
               <a:rPr lang="de-CH" sz="1100" b="1" dirty="0" err="1">
                 <a:latin typeface="Aptos Narrow" panose="020B0004020202020204" pitchFamily="34" charset="0"/>
               </a:rPr>
-              <a:t>search</a:t>
+              <a:t>reservation</a:t>
             </a:r>
             <a:r>
               <a:rPr lang="de-CH" sz="1100" b="1" dirty="0">
                 <a:latin typeface="Aptos Narrow" panose="020B0004020202020204" pitchFamily="34" charset="0"/>
               </a:rPr>
-              <a:t> </a:t>
-            </a:r>
-          </a:p>
-          <a:p>
-            <a:pPr algn="r"/>
-            <a:r>
-              <a:rPr lang="de-CH" sz="1100" b="1" dirty="0">
-                <a:latin typeface="Aptos Narrow" panose="020B0004020202020204" pitchFamily="34" charset="0"/>
-              </a:rPr>
-              <a:t>            </a:t>
+              <a:t> XML </a:t>
             </a:r>
             <a:r>
               <a:rPr lang="de-CH" sz="1100" b="1" dirty="0" err="1">
                 <a:latin typeface="Aptos Narrow" panose="020B0004020202020204" pitchFamily="34" charset="0"/>
               </a:rPr>
-              <a:t>reservations</a:t>
+              <a:t>files</a:t>
             </a:r>
             <a:endParaRPr lang="de-CH" sz="1100" b="1" dirty="0">
               <a:latin typeface="Aptos Narrow" panose="020B0004020202020204" pitchFamily="34" charset="0"/>
@@ -4980,350 +5233,20 @@
       </p:sp>
       <p:sp>
         <p:nvSpPr>
-          <p:cNvPr id="51" name="Textfeld 50">
-            <a:extLst>
-              <a:ext uri="{FF2B5EF4-FFF2-40B4-BE49-F238E27FC236}">
-                <a16:creationId xmlns:a16="http://schemas.microsoft.com/office/drawing/2014/main" id="{05186551-0DAF-E89C-F51A-D2397618A0AF}"/>
-              </a:ext>
-            </a:extLst>
-          </p:cNvPr>
-          <p:cNvSpPr txBox="1"/>
+          <p:cNvPr id="10" name="Rechteck 9">
+            <a:extLst>
+              <a:ext uri="{FF2B5EF4-FFF2-40B4-BE49-F238E27FC236}">
+                <a16:creationId xmlns:a16="http://schemas.microsoft.com/office/drawing/2014/main" id="{147389C3-C344-C19A-B678-A6FFA14DF28A}"/>
+              </a:ext>
+            </a:extLst>
+          </p:cNvPr>
+          <p:cNvSpPr/>
           <p:nvPr/>
         </p:nvSpPr>
         <p:spPr>
           <a:xfrm>
-            <a:off x="468703" y="3998693"/>
-            <a:ext cx="1560177" cy="261610"/>
-          </a:xfrm>
-          <a:prstGeom prst="rect">
-            <a:avLst/>
-          </a:prstGeom>
-          <a:noFill/>
-        </p:spPr>
-        <p:txBody>
-          <a:bodyPr wrap="square" rtlCol="0">
-            <a:spAutoFit/>
-          </a:bodyPr>
-          <a:lstStyle/>
-          <a:p>
-            <a:pPr algn="r"/>
-            <a:r>
-              <a:rPr lang="de-CH" sz="1100" b="1" dirty="0">
-                <a:latin typeface="Aptos Narrow" panose="020B0004020202020204" pitchFamily="34" charset="0"/>
-              </a:rPr>
-              <a:t>App: Display </a:t>
-            </a:r>
-            <a:r>
-              <a:rPr lang="de-CH" sz="1100" b="1" dirty="0" err="1">
-                <a:latin typeface="Aptos Narrow" panose="020B0004020202020204" pitchFamily="34" charset="0"/>
-              </a:rPr>
-              <a:t>the</a:t>
-            </a:r>
-            <a:r>
-              <a:rPr lang="de-CH" sz="1100" b="1" dirty="0">
-                <a:latin typeface="Aptos Narrow" panose="020B0004020202020204" pitchFamily="34" charset="0"/>
-              </a:rPr>
-              <a:t> </a:t>
-            </a:r>
-            <a:r>
-              <a:rPr lang="de-CH" sz="1100" b="1" dirty="0" err="1">
-                <a:latin typeface="Aptos Narrow" panose="020B0004020202020204" pitchFamily="34" charset="0"/>
-              </a:rPr>
-              <a:t>layout</a:t>
-            </a:r>
-            <a:endParaRPr lang="de-CH" sz="1100" b="1" dirty="0">
-              <a:latin typeface="Aptos Narrow" panose="020B0004020202020204" pitchFamily="34" charset="0"/>
-            </a:endParaRPr>
-          </a:p>
-        </p:txBody>
-      </p:sp>
-      <p:sp>
-        <p:nvSpPr>
-          <p:cNvPr id="52" name="Textfeld 51">
-            <a:extLst>
-              <a:ext uri="{FF2B5EF4-FFF2-40B4-BE49-F238E27FC236}">
-                <a16:creationId xmlns:a16="http://schemas.microsoft.com/office/drawing/2014/main" id="{7B88919C-4643-9879-27A8-42163EC233BD}"/>
-              </a:ext>
-            </a:extLst>
-          </p:cNvPr>
-          <p:cNvSpPr txBox="1"/>
-          <p:nvPr/>
-        </p:nvSpPr>
-        <p:spPr>
-          <a:xfrm>
-            <a:off x="760420" y="4399867"/>
-            <a:ext cx="1560178" cy="261610"/>
-          </a:xfrm>
-          <a:prstGeom prst="rect">
-            <a:avLst/>
-          </a:prstGeom>
-          <a:noFill/>
-        </p:spPr>
-        <p:txBody>
-          <a:bodyPr wrap="square" rtlCol="0">
-            <a:spAutoFit/>
-          </a:bodyPr>
-          <a:lstStyle/>
-          <a:p>
-            <a:pPr algn="r"/>
-            <a:r>
-              <a:rPr lang="de-CH" sz="1100" b="1" dirty="0">
-                <a:latin typeface="Aptos Narrow" panose="020B0004020202020204" pitchFamily="34" charset="0"/>
-              </a:rPr>
-              <a:t>App: List </a:t>
-            </a:r>
-            <a:r>
-              <a:rPr lang="de-CH" sz="1100" b="1" dirty="0" err="1">
-                <a:latin typeface="Aptos Narrow" panose="020B0004020202020204" pitchFamily="34" charset="0"/>
-              </a:rPr>
-              <a:t>reservationns</a:t>
-            </a:r>
-            <a:endParaRPr lang="de-CH" sz="1100" b="1" dirty="0">
-              <a:latin typeface="Aptos Narrow" panose="020B0004020202020204" pitchFamily="34" charset="0"/>
-            </a:endParaRPr>
-          </a:p>
-        </p:txBody>
-      </p:sp>
-      <p:sp>
-        <p:nvSpPr>
-          <p:cNvPr id="53" name="Textfeld 52">
-            <a:extLst>
-              <a:ext uri="{FF2B5EF4-FFF2-40B4-BE49-F238E27FC236}">
-                <a16:creationId xmlns:a16="http://schemas.microsoft.com/office/drawing/2014/main" id="{907CBC73-A6E4-59AC-17C0-FF83D33B1839}"/>
-              </a:ext>
-            </a:extLst>
-          </p:cNvPr>
-          <p:cNvSpPr txBox="1"/>
-          <p:nvPr/>
-        </p:nvSpPr>
-        <p:spPr>
-          <a:xfrm>
-            <a:off x="1024478" y="4813910"/>
-            <a:ext cx="1614023" cy="261610"/>
-          </a:xfrm>
-          <a:prstGeom prst="rect">
-            <a:avLst/>
-          </a:prstGeom>
-          <a:noFill/>
-        </p:spPr>
-        <p:txBody>
-          <a:bodyPr wrap="square" rtlCol="0">
-            <a:spAutoFit/>
-          </a:bodyPr>
-          <a:lstStyle/>
-          <a:p>
-            <a:pPr algn="r"/>
-            <a:r>
-              <a:rPr lang="de-CH" sz="1100" b="1" dirty="0">
-                <a:latin typeface="Aptos Narrow" panose="020B0004020202020204" pitchFamily="34" charset="0"/>
-              </a:rPr>
-              <a:t>App: Print </a:t>
-            </a:r>
-            <a:r>
-              <a:rPr lang="de-CH" sz="1100" b="1" dirty="0" err="1">
-                <a:latin typeface="Aptos Narrow" panose="020B0004020202020204" pitchFamily="34" charset="0"/>
-              </a:rPr>
-              <a:t>reservationns</a:t>
-            </a:r>
-            <a:endParaRPr lang="de-CH" sz="1100" b="1" dirty="0">
-              <a:latin typeface="Aptos Narrow" panose="020B0004020202020204" pitchFamily="34" charset="0"/>
-            </a:endParaRPr>
-          </a:p>
-        </p:txBody>
-      </p:sp>
-      <p:sp>
-        <p:nvSpPr>
-          <p:cNvPr id="55" name="Textfeld 54">
-            <a:extLst>
-              <a:ext uri="{FF2B5EF4-FFF2-40B4-BE49-F238E27FC236}">
-                <a16:creationId xmlns:a16="http://schemas.microsoft.com/office/drawing/2014/main" id="{B27DF9EA-0505-5312-416C-BAA8496DA828}"/>
-              </a:ext>
-            </a:extLst>
-          </p:cNvPr>
-          <p:cNvSpPr txBox="1"/>
-          <p:nvPr/>
-        </p:nvSpPr>
-        <p:spPr>
-          <a:xfrm>
-            <a:off x="0" y="108741"/>
-            <a:ext cx="12192000" cy="369332"/>
-          </a:xfrm>
-          <a:prstGeom prst="rect">
-            <a:avLst/>
-          </a:prstGeom>
-          <a:noFill/>
-        </p:spPr>
-        <p:txBody>
-          <a:bodyPr wrap="square">
-            <a:spAutoFit/>
-          </a:bodyPr>
-          <a:lstStyle/>
-          <a:p>
-            <a:pPr algn="ctr"/>
-            <a:r>
-              <a:rPr lang="de-CH" b="1" dirty="0" err="1">
-                <a:latin typeface="Arial" panose="020B0604020202020204" pitchFamily="34" charset="0"/>
-                <a:cs typeface="Arial" panose="020B0604020202020204" pitchFamily="34" charset="0"/>
-              </a:rPr>
-              <a:t>Generated</a:t>
-            </a:r>
-            <a:r>
-              <a:rPr lang="de-CH" b="1" dirty="0">
-                <a:latin typeface="Arial" panose="020B0604020202020204" pitchFamily="34" charset="0"/>
-                <a:cs typeface="Arial" panose="020B0604020202020204" pitchFamily="34" charset="0"/>
-              </a:rPr>
-              <a:t> </a:t>
-            </a:r>
-            <a:r>
-              <a:rPr lang="de-CH" b="1" dirty="0" err="1">
-                <a:latin typeface="Arial" panose="020B0604020202020204" pitchFamily="34" charset="0"/>
-                <a:cs typeface="Arial" panose="020B0604020202020204" pitchFamily="34" charset="0"/>
-              </a:rPr>
-              <a:t>directories</a:t>
-            </a:r>
-            <a:r>
-              <a:rPr lang="de-CH" b="1" dirty="0">
-                <a:latin typeface="Arial" panose="020B0604020202020204" pitchFamily="34" charset="0"/>
-                <a:cs typeface="Arial" panose="020B0604020202020204" pitchFamily="34" charset="0"/>
-              </a:rPr>
-              <a:t> </a:t>
-            </a:r>
-            <a:r>
-              <a:rPr lang="de-CH" b="1" dirty="0" err="1">
-                <a:latin typeface="Arial" panose="020B0604020202020204" pitchFamily="34" charset="0"/>
-                <a:cs typeface="Arial" panose="020B0604020202020204" pitchFamily="34" charset="0"/>
-              </a:rPr>
-              <a:t>for</a:t>
-            </a:r>
-            <a:r>
-              <a:rPr lang="de-CH" b="1" dirty="0">
-                <a:latin typeface="Arial" panose="020B0604020202020204" pitchFamily="34" charset="0"/>
-                <a:cs typeface="Arial" panose="020B0604020202020204" pitchFamily="34" charset="0"/>
-              </a:rPr>
-              <a:t> a </a:t>
-            </a:r>
-            <a:r>
-              <a:rPr lang="de-CH" b="1" dirty="0" err="1">
-                <a:latin typeface="Arial" panose="020B0604020202020204" pitchFamily="34" charset="0"/>
-                <a:cs typeface="Arial" panose="020B0604020202020204" pitchFamily="34" charset="0"/>
-              </a:rPr>
-              <a:t>seating</a:t>
-            </a:r>
-            <a:r>
-              <a:rPr lang="de-CH" b="1" dirty="0">
-                <a:latin typeface="Arial" panose="020B0604020202020204" pitchFamily="34" charset="0"/>
-                <a:cs typeface="Arial" panose="020B0604020202020204" pitchFamily="34" charset="0"/>
-              </a:rPr>
-              <a:t> plan</a:t>
-            </a:r>
-          </a:p>
-        </p:txBody>
-      </p:sp>
-      <p:sp>
-        <p:nvSpPr>
-          <p:cNvPr id="5" name="Textfeld 4">
-            <a:extLst>
-              <a:ext uri="{FF2B5EF4-FFF2-40B4-BE49-F238E27FC236}">
-                <a16:creationId xmlns:a16="http://schemas.microsoft.com/office/drawing/2014/main" id="{F8D49A10-6B41-21E2-B8C2-CBC1A4436497}"/>
-              </a:ext>
-            </a:extLst>
-          </p:cNvPr>
-          <p:cNvSpPr txBox="1"/>
-          <p:nvPr/>
-        </p:nvSpPr>
-        <p:spPr>
-          <a:xfrm>
-            <a:off x="7746945" y="2984659"/>
-            <a:ext cx="1905996" cy="430887"/>
-          </a:xfrm>
-          <a:prstGeom prst="rect">
-            <a:avLst/>
-          </a:prstGeom>
-          <a:noFill/>
-        </p:spPr>
-        <p:txBody>
-          <a:bodyPr wrap="square" rtlCol="0">
-            <a:spAutoFit/>
-          </a:bodyPr>
-          <a:lstStyle/>
-          <a:p>
-            <a:pPr algn="ctr"/>
-            <a:r>
-              <a:rPr lang="de-CH" sz="1100" b="1" dirty="0">
-                <a:latin typeface="Aptos Narrow" panose="020B0004020202020204" pitchFamily="34" charset="0"/>
-              </a:rPr>
-              <a:t>Event </a:t>
-            </a:r>
-            <a:r>
-              <a:rPr lang="de-CH" sz="1100" b="1" dirty="0" err="1">
-                <a:latin typeface="Aptos Narrow" panose="020B0004020202020204" pitchFamily="34" charset="0"/>
-              </a:rPr>
-              <a:t>program</a:t>
-            </a:r>
-            <a:r>
-              <a:rPr lang="de-CH" sz="1100" b="1" dirty="0">
-                <a:latin typeface="Aptos Narrow" panose="020B0004020202020204" pitchFamily="34" charset="0"/>
-              </a:rPr>
-              <a:t> XML </a:t>
-            </a:r>
-            <a:r>
-              <a:rPr lang="de-CH" sz="1100" b="1" dirty="0" err="1">
-                <a:latin typeface="Aptos Narrow" panose="020B0004020202020204" pitchFamily="34" charset="0"/>
-              </a:rPr>
-              <a:t>file</a:t>
-            </a:r>
-            <a:endParaRPr lang="de-CH" sz="1100" b="1" dirty="0">
-              <a:latin typeface="Aptos Narrow" panose="020B0004020202020204" pitchFamily="34" charset="0"/>
-            </a:endParaRPr>
-          </a:p>
-          <a:p>
-            <a:pPr algn="ctr"/>
-            <a:r>
-              <a:rPr lang="de-CH" sz="1100" b="1" dirty="0">
-                <a:latin typeface="Aptos Narrow" panose="020B0004020202020204" pitchFamily="34" charset="0"/>
-              </a:rPr>
-              <a:t>Event </a:t>
-            </a:r>
-            <a:r>
-              <a:rPr lang="de-CH" sz="1100" b="1" dirty="0" err="1">
-                <a:latin typeface="Aptos Narrow" panose="020B0004020202020204" pitchFamily="34" charset="0"/>
-              </a:rPr>
-              <a:t>reservation</a:t>
-            </a:r>
-            <a:r>
-              <a:rPr lang="de-CH" sz="1100" b="1" dirty="0">
-                <a:latin typeface="Aptos Narrow" panose="020B0004020202020204" pitchFamily="34" charset="0"/>
-              </a:rPr>
-              <a:t> XML </a:t>
-            </a:r>
-            <a:r>
-              <a:rPr lang="de-CH" sz="1100" b="1" dirty="0" err="1">
-                <a:latin typeface="Aptos Narrow" panose="020B0004020202020204" pitchFamily="34" charset="0"/>
-              </a:rPr>
-              <a:t>files</a:t>
-            </a:r>
-            <a:endParaRPr lang="de-CH" sz="1100" b="1" dirty="0">
-              <a:latin typeface="Aptos Narrow" panose="020B0004020202020204" pitchFamily="34" charset="0"/>
-            </a:endParaRPr>
-          </a:p>
-        </p:txBody>
-      </p:sp>
-      <p:sp>
-        <p:nvSpPr>
-          <p:cNvPr id="10" name="Rechteck 9">
-            <a:extLst>
-              <a:ext uri="{FF2B5EF4-FFF2-40B4-BE49-F238E27FC236}">
-                <a16:creationId xmlns:a16="http://schemas.microsoft.com/office/drawing/2014/main" id="{147389C3-C344-C19A-B678-A6FFA14DF28A}"/>
-              </a:ext>
-            </a:extLst>
-          </p:cNvPr>
-          <p:cNvSpPr/>
-          <p:nvPr/>
-        </p:nvSpPr>
-        <p:spPr>
-          <a:xfrm>
-            <a:off x="5602511" y="2749553"/>
-            <a:ext cx="876882" cy="273141"/>
+            <a:off x="3353583" y="2446815"/>
+            <a:ext cx="876882" cy="406981"/>
           </a:xfrm>
           <a:prstGeom prst="rect">
             <a:avLst/>
@@ -5359,6 +5282,26 @@
           <a:p>
             <a:pPr algn="ctr"/>
             <a:r>
+              <a:rPr lang="de-CH" sz="800" b="1" i="1" dirty="0" err="1">
+                <a:solidFill>
+                  <a:schemeClr val="tx1"/>
+                </a:solidFill>
+                <a:latin typeface="Arial" panose="020B0604020202020204" pitchFamily="34" charset="0"/>
+                <a:cs typeface="Arial" panose="020B0604020202020204" pitchFamily="34" charset="0"/>
+              </a:rPr>
+              <a:t>Captions</a:t>
+            </a:r>
+            <a:endParaRPr lang="de-CH" sz="800" b="1" i="1" dirty="0">
+              <a:solidFill>
+                <a:schemeClr val="tx1"/>
+              </a:solidFill>
+              <a:latin typeface="Arial" panose="020B0604020202020204" pitchFamily="34" charset="0"/>
+              <a:cs typeface="Arial" panose="020B0604020202020204" pitchFamily="34" charset="0"/>
+            </a:endParaRPr>
+          </a:p>
+          <a:p>
+            <a:pPr algn="ctr"/>
+            <a:r>
               <a:rPr lang="de-CH" sz="1000" b="1" dirty="0" err="1">
                 <a:solidFill>
                   <a:schemeClr val="tx1"/>
@@ -5394,7 +5337,7 @@
         </p:nvCxnSpPr>
         <p:spPr>
           <a:xfrm flipV="1">
-            <a:off x="6047180" y="2603717"/>
+            <a:off x="3798252" y="2288623"/>
             <a:ext cx="2010" cy="183598"/>
           </a:xfrm>
           <a:prstGeom prst="line">
@@ -5416,53 +5359,6 @@
           </a:fontRef>
         </p:style>
       </p:cxnSp>
-      <p:sp>
-        <p:nvSpPr>
-          <p:cNvPr id="29" name="Textfeld 28">
-            <a:extLst>
-              <a:ext uri="{FF2B5EF4-FFF2-40B4-BE49-F238E27FC236}">
-                <a16:creationId xmlns:a16="http://schemas.microsoft.com/office/drawing/2014/main" id="{06557092-0B7C-846F-117B-D7E4CABA0191}"/>
-              </a:ext>
-            </a:extLst>
-          </p:cNvPr>
-          <p:cNvSpPr txBox="1"/>
-          <p:nvPr/>
-        </p:nvSpPr>
-        <p:spPr>
-          <a:xfrm>
-            <a:off x="5505613" y="3044167"/>
-            <a:ext cx="1125130" cy="261610"/>
-          </a:xfrm>
-          <a:prstGeom prst="rect">
-            <a:avLst/>
-          </a:prstGeom>
-          <a:noFill/>
-        </p:spPr>
-        <p:txBody>
-          <a:bodyPr wrap="square" rtlCol="0">
-            <a:spAutoFit/>
-          </a:bodyPr>
-          <a:lstStyle/>
-          <a:p>
-            <a:pPr algn="ctr"/>
-            <a:r>
-              <a:rPr lang="de-CH" sz="1100" b="1" dirty="0">
-                <a:latin typeface="Aptos Narrow" panose="020B0004020202020204" pitchFamily="34" charset="0"/>
-              </a:rPr>
-              <a:t>Caption </a:t>
-            </a:r>
-            <a:r>
-              <a:rPr lang="de-CH" sz="1100" b="1" dirty="0" err="1">
-                <a:latin typeface="Aptos Narrow" panose="020B0004020202020204" pitchFamily="34" charset="0"/>
-              </a:rPr>
-              <a:t>images</a:t>
-            </a:r>
-            <a:endParaRPr lang="de-CH" b="1" dirty="0">
-              <a:latin typeface="Aptos Narrow" panose="020B0004020202020204" pitchFamily="34" charset="0"/>
-            </a:endParaRPr>
-          </a:p>
-        </p:txBody>
-      </p:sp>
     </p:spTree>
     <p:extLst>
       <p:ext uri="{BB962C8B-B14F-4D97-AF65-F5344CB8AC3E}">

--- a/Description/ResrvationNewLayout.pptx
+++ b/Description/ResrvationNewLayout.pptx
@@ -17,6 +17,8 @@
     <p:sldId id="264" r:id="rId11"/>
     <p:sldId id="261" r:id="rId12"/>
     <p:sldId id="265" r:id="rId13"/>
+    <p:sldId id="271" r:id="rId14"/>
+    <p:sldId id="272" r:id="rId15"/>
   </p:sldIdLst>
   <p:sldSz cx="12192000" cy="6858000"/>
   <p:notesSz cx="6661150" cy="9866313"/>
@@ -277,7 +279,7 @@
           <a:p>
             <a:fld id="{DDCE6D58-9B57-4731-A47B-3CD41B48F0A9}" type="datetimeFigureOut">
               <a:rPr lang="de-CH" smtClean="0"/>
-              <a:t>19.11.2025</a:t>
+              <a:t>12.12.2025</a:t>
             </a:fld>
             <a:endParaRPr lang="de-CH"/>
           </a:p>
@@ -447,7 +449,7 @@
           <a:p>
             <a:fld id="{DDCE6D58-9B57-4731-A47B-3CD41B48F0A9}" type="datetimeFigureOut">
               <a:rPr lang="de-CH" smtClean="0"/>
-              <a:t>19.11.2025</a:t>
+              <a:t>12.12.2025</a:t>
             </a:fld>
             <a:endParaRPr lang="de-CH"/>
           </a:p>
@@ -627,7 +629,7 @@
           <a:p>
             <a:fld id="{DDCE6D58-9B57-4731-A47B-3CD41B48F0A9}" type="datetimeFigureOut">
               <a:rPr lang="de-CH" smtClean="0"/>
-              <a:t>19.11.2025</a:t>
+              <a:t>12.12.2025</a:t>
             </a:fld>
             <a:endParaRPr lang="de-CH"/>
           </a:p>
@@ -797,7 +799,7 @@
           <a:p>
             <a:fld id="{DDCE6D58-9B57-4731-A47B-3CD41B48F0A9}" type="datetimeFigureOut">
               <a:rPr lang="de-CH" smtClean="0"/>
-              <a:t>19.11.2025</a:t>
+              <a:t>12.12.2025</a:t>
             </a:fld>
             <a:endParaRPr lang="de-CH"/>
           </a:p>
@@ -1043,7 +1045,7 @@
           <a:p>
             <a:fld id="{DDCE6D58-9B57-4731-A47B-3CD41B48F0A9}" type="datetimeFigureOut">
               <a:rPr lang="de-CH" smtClean="0"/>
-              <a:t>19.11.2025</a:t>
+              <a:t>12.12.2025</a:t>
             </a:fld>
             <a:endParaRPr lang="de-CH"/>
           </a:p>
@@ -1275,7 +1277,7 @@
           <a:p>
             <a:fld id="{DDCE6D58-9B57-4731-A47B-3CD41B48F0A9}" type="datetimeFigureOut">
               <a:rPr lang="de-CH" smtClean="0"/>
-              <a:t>19.11.2025</a:t>
+              <a:t>12.12.2025</a:t>
             </a:fld>
             <a:endParaRPr lang="de-CH"/>
           </a:p>
@@ -1642,7 +1644,7 @@
           <a:p>
             <a:fld id="{DDCE6D58-9B57-4731-A47B-3CD41B48F0A9}" type="datetimeFigureOut">
               <a:rPr lang="de-CH" smtClean="0"/>
-              <a:t>19.11.2025</a:t>
+              <a:t>12.12.2025</a:t>
             </a:fld>
             <a:endParaRPr lang="de-CH"/>
           </a:p>
@@ -1760,7 +1762,7 @@
           <a:p>
             <a:fld id="{DDCE6D58-9B57-4731-A47B-3CD41B48F0A9}" type="datetimeFigureOut">
               <a:rPr lang="de-CH" smtClean="0"/>
-              <a:t>19.11.2025</a:t>
+              <a:t>12.12.2025</a:t>
             </a:fld>
             <a:endParaRPr lang="de-CH"/>
           </a:p>
@@ -1855,7 +1857,7 @@
           <a:p>
             <a:fld id="{DDCE6D58-9B57-4731-A47B-3CD41B48F0A9}" type="datetimeFigureOut">
               <a:rPr lang="de-CH" smtClean="0"/>
-              <a:t>19.11.2025</a:t>
+              <a:t>12.12.2025</a:t>
             </a:fld>
             <a:endParaRPr lang="de-CH"/>
           </a:p>
@@ -2132,7 +2134,7 @@
           <a:p>
             <a:fld id="{DDCE6D58-9B57-4731-A47B-3CD41B48F0A9}" type="datetimeFigureOut">
               <a:rPr lang="de-CH" smtClean="0"/>
-              <a:t>19.11.2025</a:t>
+              <a:t>12.12.2025</a:t>
             </a:fld>
             <a:endParaRPr lang="de-CH"/>
           </a:p>
@@ -2385,7 +2387,7 @@
           <a:p>
             <a:fld id="{DDCE6D58-9B57-4731-A47B-3CD41B48F0A9}" type="datetimeFigureOut">
               <a:rPr lang="de-CH" smtClean="0"/>
-              <a:t>19.11.2025</a:t>
+              <a:t>12.12.2025</a:t>
             </a:fld>
             <a:endParaRPr lang="de-CH"/>
           </a:p>
@@ -2598,7 +2600,7 @@
           <a:p>
             <a:fld id="{DDCE6D58-9B57-4731-A47B-3CD41B48F0A9}" type="datetimeFigureOut">
               <a:rPr lang="de-CH" smtClean="0"/>
-              <a:t>19.11.2025</a:t>
+              <a:t>12.12.2025</a:t>
             </a:fld>
             <a:endParaRPr lang="de-CH"/>
           </a:p>
@@ -6716,10 +6718,1985 @@
           <a:chExt cx="0" cy="0"/>
         </a:xfrm>
       </p:grpSpPr>
+      <p:sp>
+        <p:nvSpPr>
+          <p:cNvPr id="2" name="Rechteck 1">
+            <a:extLst>
+              <a:ext uri="{FF2B5EF4-FFF2-40B4-BE49-F238E27FC236}">
+                <a16:creationId xmlns:a16="http://schemas.microsoft.com/office/drawing/2014/main" id="{C0686443-0E20-C80B-3932-0478182B418D}"/>
+              </a:ext>
+            </a:extLst>
+          </p:cNvPr>
+          <p:cNvSpPr/>
+          <p:nvPr/>
+        </p:nvSpPr>
+        <p:spPr>
+          <a:xfrm>
+            <a:off x="7525965" y="687631"/>
+            <a:ext cx="3633873" cy="570469"/>
+          </a:xfrm>
+          <a:prstGeom prst="rect">
+            <a:avLst/>
+          </a:prstGeom>
+          <a:noFill/>
+          <a:ln w="19050">
+            <a:solidFill>
+              <a:schemeClr val="tx1"/>
+            </a:solidFill>
+          </a:ln>
+        </p:spPr>
+        <p:style>
+          <a:lnRef idx="2">
+            <a:schemeClr val="accent1">
+              <a:shade val="50000"/>
+            </a:schemeClr>
+          </a:lnRef>
+          <a:fillRef idx="1">
+            <a:schemeClr val="accent1"/>
+          </a:fillRef>
+          <a:effectRef idx="0">
+            <a:schemeClr val="accent1"/>
+          </a:effectRef>
+          <a:fontRef idx="minor">
+            <a:schemeClr val="lt1"/>
+          </a:fontRef>
+        </p:style>
+        <p:txBody>
+          <a:bodyPr rtlCol="0" anchor="ctr"/>
+          <a:lstStyle/>
+          <a:p>
+            <a:pPr algn="ctr"/>
+            <a:r>
+              <a:rPr lang="de-CH" b="1" dirty="0" err="1">
+                <a:solidFill>
+                  <a:schemeClr val="tx1"/>
+                </a:solidFill>
+                <a:latin typeface="Arial" panose="020B0604020202020204" pitchFamily="34" charset="0"/>
+                <a:cs typeface="Arial" panose="020B0604020202020204" pitchFamily="34" charset="0"/>
+              </a:rPr>
+              <a:t>EventProgramTags</a:t>
+            </a:r>
+            <a:endParaRPr lang="de-CH" b="1" dirty="0">
+              <a:solidFill>
+                <a:schemeClr val="tx1"/>
+              </a:solidFill>
+              <a:latin typeface="Arial" panose="020B0604020202020204" pitchFamily="34" charset="0"/>
+              <a:cs typeface="Arial" panose="020B0604020202020204" pitchFamily="34" charset="0"/>
+            </a:endParaRPr>
+          </a:p>
+          <a:p>
+            <a:pPr algn="ctr"/>
+            <a:r>
+              <a:rPr lang="en-US" sz="1400" dirty="0">
+                <a:solidFill>
+                  <a:schemeClr val="tx1"/>
+                </a:solidFill>
+                <a:latin typeface="Arial" panose="020B0604020202020204" pitchFamily="34" charset="0"/>
+                <a:cs typeface="Arial" panose="020B0604020202020204" pitchFamily="34" charset="0"/>
+              </a:rPr>
+              <a:t>Tags of the XML event program file</a:t>
+            </a:r>
+            <a:endParaRPr lang="de-CH" sz="1400" dirty="0">
+              <a:solidFill>
+                <a:schemeClr val="tx1"/>
+              </a:solidFill>
+              <a:latin typeface="Arial" panose="020B0604020202020204" pitchFamily="34" charset="0"/>
+              <a:cs typeface="Arial" panose="020B0604020202020204" pitchFamily="34" charset="0"/>
+            </a:endParaRPr>
+          </a:p>
+        </p:txBody>
+      </p:sp>
+      <p:sp>
+        <p:nvSpPr>
+          <p:cNvPr id="3" name="Rechteck 2">
+            <a:extLst>
+              <a:ext uri="{FF2B5EF4-FFF2-40B4-BE49-F238E27FC236}">
+                <a16:creationId xmlns:a16="http://schemas.microsoft.com/office/drawing/2014/main" id="{1CC58B58-9F64-A8A2-5EC9-D5770BDA61E5}"/>
+              </a:ext>
+            </a:extLst>
+          </p:cNvPr>
+          <p:cNvSpPr/>
+          <p:nvPr/>
+        </p:nvSpPr>
+        <p:spPr>
+          <a:xfrm>
+            <a:off x="7525965" y="1258100"/>
+            <a:ext cx="3633874" cy="3890326"/>
+          </a:xfrm>
+          <a:prstGeom prst="rect">
+            <a:avLst/>
+          </a:prstGeom>
+          <a:noFill/>
+          <a:ln w="19050">
+            <a:solidFill>
+              <a:schemeClr val="tx1"/>
+            </a:solidFill>
+          </a:ln>
+        </p:spPr>
+        <p:style>
+          <a:lnRef idx="2">
+            <a:schemeClr val="accent1">
+              <a:shade val="50000"/>
+            </a:schemeClr>
+          </a:lnRef>
+          <a:fillRef idx="1">
+            <a:schemeClr val="accent1"/>
+          </a:fillRef>
+          <a:effectRef idx="0">
+            <a:schemeClr val="accent1"/>
+          </a:effectRef>
+          <a:fontRef idx="minor">
+            <a:schemeClr val="lt1"/>
+          </a:fontRef>
+        </p:style>
+        <p:txBody>
+          <a:bodyPr rtlCol="0" anchor="ctr"/>
+          <a:lstStyle/>
+          <a:p>
+            <a:r>
+              <a:rPr lang="en-US" sz="1000" b="1" dirty="0" err="1">
+                <a:solidFill>
+                  <a:schemeClr val="tx1"/>
+                </a:solidFill>
+                <a:latin typeface="Arial" panose="020B0604020202020204" pitchFamily="34" charset="0"/>
+                <a:cs typeface="Arial" panose="020B0604020202020204" pitchFamily="34" charset="0"/>
+              </a:rPr>
+              <a:t>this.m_tag_event</a:t>
+            </a:r>
+            <a:r>
+              <a:rPr lang="en-US" sz="1000" b="1" dirty="0">
+                <a:solidFill>
+                  <a:schemeClr val="tx1"/>
+                </a:solidFill>
+                <a:latin typeface="Arial" panose="020B0604020202020204" pitchFamily="34" charset="0"/>
+                <a:cs typeface="Arial" panose="020B0604020202020204" pitchFamily="34" charset="0"/>
+              </a:rPr>
+              <a:t> = "Event";</a:t>
+            </a:r>
+          </a:p>
+          <a:p>
+            <a:r>
+              <a:rPr lang="en-US" sz="1000" b="1" dirty="0" err="1">
+                <a:solidFill>
+                  <a:schemeClr val="tx1"/>
+                </a:solidFill>
+                <a:latin typeface="Arial" panose="020B0604020202020204" pitchFamily="34" charset="0"/>
+                <a:cs typeface="Arial" panose="020B0604020202020204" pitchFamily="34" charset="0"/>
+              </a:rPr>
+              <a:t>this.m_tag_reg_number</a:t>
+            </a:r>
+            <a:r>
+              <a:rPr lang="en-US" sz="1000" b="1" dirty="0">
+                <a:solidFill>
+                  <a:schemeClr val="tx1"/>
+                </a:solidFill>
+                <a:latin typeface="Arial" panose="020B0604020202020204" pitchFamily="34" charset="0"/>
+                <a:cs typeface="Arial" panose="020B0604020202020204" pitchFamily="34" charset="0"/>
+              </a:rPr>
+              <a:t> = “</a:t>
+            </a:r>
+            <a:r>
+              <a:rPr lang="en-US" sz="1000" b="1" dirty="0" err="1">
+                <a:solidFill>
+                  <a:schemeClr val="tx1"/>
+                </a:solidFill>
+                <a:latin typeface="Arial" panose="020B0604020202020204" pitchFamily="34" charset="0"/>
+                <a:cs typeface="Arial" panose="020B0604020202020204" pitchFamily="34" charset="0"/>
+              </a:rPr>
+              <a:t>RegNumber</a:t>
+            </a:r>
+            <a:r>
+              <a:rPr lang="en-US" sz="1000" b="1" dirty="0">
+                <a:solidFill>
+                  <a:schemeClr val="tx1"/>
+                </a:solidFill>
+                <a:latin typeface="Arial" panose="020B0604020202020204" pitchFamily="34" charset="0"/>
+                <a:cs typeface="Arial" panose="020B0604020202020204" pitchFamily="34" charset="0"/>
+              </a:rPr>
+              <a:t>";</a:t>
+            </a:r>
+          </a:p>
+          <a:p>
+            <a:r>
+              <a:rPr lang="en-US" sz="1000" b="1" dirty="0" err="1">
+                <a:solidFill>
+                  <a:schemeClr val="tx1"/>
+                </a:solidFill>
+                <a:latin typeface="Arial" panose="020B0604020202020204" pitchFamily="34" charset="0"/>
+                <a:cs typeface="Arial" panose="020B0604020202020204" pitchFamily="34" charset="0"/>
+              </a:rPr>
+              <a:t>this.m_tag_day</a:t>
+            </a:r>
+            <a:r>
+              <a:rPr lang="en-US" sz="1000" b="1" dirty="0">
+                <a:solidFill>
+                  <a:schemeClr val="tx1"/>
+                </a:solidFill>
+                <a:latin typeface="Arial" panose="020B0604020202020204" pitchFamily="34" charset="0"/>
+                <a:cs typeface="Arial" panose="020B0604020202020204" pitchFamily="34" charset="0"/>
+              </a:rPr>
+              <a:t> = "Day";</a:t>
+            </a:r>
+          </a:p>
+          <a:p>
+            <a:r>
+              <a:rPr lang="en-US" sz="1000" b="1" dirty="0" err="1">
+                <a:solidFill>
+                  <a:schemeClr val="tx1"/>
+                </a:solidFill>
+                <a:latin typeface="Arial" panose="020B0604020202020204" pitchFamily="34" charset="0"/>
+                <a:cs typeface="Arial" panose="020B0604020202020204" pitchFamily="34" charset="0"/>
+              </a:rPr>
+              <a:t>this.m_tag_month</a:t>
+            </a:r>
+            <a:r>
+              <a:rPr lang="en-US" sz="1000" b="1" dirty="0">
+                <a:solidFill>
+                  <a:schemeClr val="tx1"/>
+                </a:solidFill>
+                <a:latin typeface="Arial" panose="020B0604020202020204" pitchFamily="34" charset="0"/>
+                <a:cs typeface="Arial" panose="020B0604020202020204" pitchFamily="34" charset="0"/>
+              </a:rPr>
+              <a:t> = "Month";</a:t>
+            </a:r>
+          </a:p>
+          <a:p>
+            <a:r>
+              <a:rPr lang="en-US" sz="1000" b="1" dirty="0" err="1">
+                <a:solidFill>
+                  <a:schemeClr val="tx1"/>
+                </a:solidFill>
+                <a:latin typeface="Arial" panose="020B0604020202020204" pitchFamily="34" charset="0"/>
+                <a:cs typeface="Arial" panose="020B0604020202020204" pitchFamily="34" charset="0"/>
+              </a:rPr>
+              <a:t>this.m_tag_year</a:t>
+            </a:r>
+            <a:r>
+              <a:rPr lang="en-US" sz="1000" b="1" dirty="0">
+                <a:solidFill>
+                  <a:schemeClr val="tx1"/>
+                </a:solidFill>
+                <a:latin typeface="Arial" panose="020B0604020202020204" pitchFamily="34" charset="0"/>
+                <a:cs typeface="Arial" panose="020B0604020202020204" pitchFamily="34" charset="0"/>
+              </a:rPr>
+              <a:t> = "Year";</a:t>
+            </a:r>
+          </a:p>
+          <a:p>
+            <a:r>
+              <a:rPr lang="en-US" sz="1000" b="1" dirty="0" err="1">
+                <a:solidFill>
+                  <a:schemeClr val="tx1"/>
+                </a:solidFill>
+                <a:latin typeface="Arial" panose="020B0604020202020204" pitchFamily="34" charset="0"/>
+                <a:cs typeface="Arial" panose="020B0604020202020204" pitchFamily="34" charset="0"/>
+              </a:rPr>
+              <a:t>this.m_tag_start_hour</a:t>
+            </a:r>
+            <a:r>
+              <a:rPr lang="en-US" sz="1000" b="1" dirty="0">
+                <a:solidFill>
+                  <a:schemeClr val="tx1"/>
+                </a:solidFill>
+                <a:latin typeface="Arial" panose="020B0604020202020204" pitchFamily="34" charset="0"/>
+                <a:cs typeface="Arial" panose="020B0604020202020204" pitchFamily="34" charset="0"/>
+              </a:rPr>
+              <a:t> = "</a:t>
+            </a:r>
+            <a:r>
+              <a:rPr lang="en-US" sz="1000" b="1" dirty="0" err="1">
+                <a:solidFill>
+                  <a:schemeClr val="tx1"/>
+                </a:solidFill>
+                <a:latin typeface="Arial" panose="020B0604020202020204" pitchFamily="34" charset="0"/>
+                <a:cs typeface="Arial" panose="020B0604020202020204" pitchFamily="34" charset="0"/>
+              </a:rPr>
+              <a:t>TimeStartHour</a:t>
+            </a:r>
+            <a:r>
+              <a:rPr lang="en-US" sz="1000" b="1" dirty="0">
+                <a:solidFill>
+                  <a:schemeClr val="tx1"/>
+                </a:solidFill>
+                <a:latin typeface="Arial" panose="020B0604020202020204" pitchFamily="34" charset="0"/>
+                <a:cs typeface="Arial" panose="020B0604020202020204" pitchFamily="34" charset="0"/>
+              </a:rPr>
+              <a:t>";</a:t>
+            </a:r>
+          </a:p>
+          <a:p>
+            <a:r>
+              <a:rPr lang="en-US" sz="1000" b="1" dirty="0" err="1">
+                <a:solidFill>
+                  <a:schemeClr val="tx1"/>
+                </a:solidFill>
+                <a:latin typeface="Arial" panose="020B0604020202020204" pitchFamily="34" charset="0"/>
+                <a:cs typeface="Arial" panose="020B0604020202020204" pitchFamily="34" charset="0"/>
+              </a:rPr>
+              <a:t>this.m_tag_start_minute</a:t>
+            </a:r>
+            <a:r>
+              <a:rPr lang="en-US" sz="1000" b="1" dirty="0">
+                <a:solidFill>
+                  <a:schemeClr val="tx1"/>
+                </a:solidFill>
+                <a:latin typeface="Arial" panose="020B0604020202020204" pitchFamily="34" charset="0"/>
+                <a:cs typeface="Arial" panose="020B0604020202020204" pitchFamily="34" charset="0"/>
+              </a:rPr>
+              <a:t> = "</a:t>
+            </a:r>
+            <a:r>
+              <a:rPr lang="en-US" sz="1000" b="1" dirty="0" err="1">
+                <a:solidFill>
+                  <a:schemeClr val="tx1"/>
+                </a:solidFill>
+                <a:latin typeface="Arial" panose="020B0604020202020204" pitchFamily="34" charset="0"/>
+                <a:cs typeface="Arial" panose="020B0604020202020204" pitchFamily="34" charset="0"/>
+              </a:rPr>
+              <a:t>TimeStartMinute</a:t>
+            </a:r>
+            <a:r>
+              <a:rPr lang="en-US" sz="1000" b="1" dirty="0">
+                <a:solidFill>
+                  <a:schemeClr val="tx1"/>
+                </a:solidFill>
+                <a:latin typeface="Arial" panose="020B0604020202020204" pitchFamily="34" charset="0"/>
+                <a:cs typeface="Arial" panose="020B0604020202020204" pitchFamily="34" charset="0"/>
+              </a:rPr>
+              <a:t>";</a:t>
+            </a:r>
+          </a:p>
+          <a:p>
+            <a:r>
+              <a:rPr lang="en-US" sz="1000" b="1" dirty="0" err="1">
+                <a:solidFill>
+                  <a:schemeClr val="tx1"/>
+                </a:solidFill>
+                <a:latin typeface="Arial" panose="020B0604020202020204" pitchFamily="34" charset="0"/>
+                <a:cs typeface="Arial" panose="020B0604020202020204" pitchFamily="34" charset="0"/>
+              </a:rPr>
+              <a:t>this.m_tag_end_hour</a:t>
+            </a:r>
+            <a:r>
+              <a:rPr lang="en-US" sz="1000" b="1" dirty="0">
+                <a:solidFill>
+                  <a:schemeClr val="tx1"/>
+                </a:solidFill>
+                <a:latin typeface="Arial" panose="020B0604020202020204" pitchFamily="34" charset="0"/>
+                <a:cs typeface="Arial" panose="020B0604020202020204" pitchFamily="34" charset="0"/>
+              </a:rPr>
+              <a:t> = "</a:t>
+            </a:r>
+            <a:r>
+              <a:rPr lang="en-US" sz="1000" b="1" dirty="0" err="1">
+                <a:solidFill>
+                  <a:schemeClr val="tx1"/>
+                </a:solidFill>
+                <a:latin typeface="Arial" panose="020B0604020202020204" pitchFamily="34" charset="0"/>
+                <a:cs typeface="Arial" panose="020B0604020202020204" pitchFamily="34" charset="0"/>
+              </a:rPr>
+              <a:t>TimeEndHour</a:t>
+            </a:r>
+            <a:r>
+              <a:rPr lang="en-US" sz="1000" b="1" dirty="0">
+                <a:solidFill>
+                  <a:schemeClr val="tx1"/>
+                </a:solidFill>
+                <a:latin typeface="Arial" panose="020B0604020202020204" pitchFamily="34" charset="0"/>
+                <a:cs typeface="Arial" panose="020B0604020202020204" pitchFamily="34" charset="0"/>
+              </a:rPr>
+              <a:t>";</a:t>
+            </a:r>
+          </a:p>
+          <a:p>
+            <a:r>
+              <a:rPr lang="en-US" sz="1000" b="1" dirty="0" err="1">
+                <a:solidFill>
+                  <a:schemeClr val="tx1"/>
+                </a:solidFill>
+                <a:latin typeface="Arial" panose="020B0604020202020204" pitchFamily="34" charset="0"/>
+                <a:cs typeface="Arial" panose="020B0604020202020204" pitchFamily="34" charset="0"/>
+              </a:rPr>
+              <a:t>this.m_tag_end_minute</a:t>
+            </a:r>
+            <a:r>
+              <a:rPr lang="en-US" sz="1000" b="1" dirty="0">
+                <a:solidFill>
+                  <a:schemeClr val="tx1"/>
+                </a:solidFill>
+                <a:latin typeface="Arial" panose="020B0604020202020204" pitchFamily="34" charset="0"/>
+                <a:cs typeface="Arial" panose="020B0604020202020204" pitchFamily="34" charset="0"/>
+              </a:rPr>
+              <a:t> = "</a:t>
+            </a:r>
+            <a:r>
+              <a:rPr lang="en-US" sz="1000" b="1" dirty="0" err="1">
+                <a:solidFill>
+                  <a:schemeClr val="tx1"/>
+                </a:solidFill>
+                <a:latin typeface="Arial" panose="020B0604020202020204" pitchFamily="34" charset="0"/>
+                <a:cs typeface="Arial" panose="020B0604020202020204" pitchFamily="34" charset="0"/>
+              </a:rPr>
+              <a:t>TimeEndMinute</a:t>
+            </a:r>
+            <a:r>
+              <a:rPr lang="en-US" sz="1000" b="1" dirty="0">
+                <a:solidFill>
+                  <a:schemeClr val="tx1"/>
+                </a:solidFill>
+                <a:latin typeface="Arial" panose="020B0604020202020204" pitchFamily="34" charset="0"/>
+                <a:cs typeface="Arial" panose="020B0604020202020204" pitchFamily="34" charset="0"/>
+              </a:rPr>
+              <a:t>";</a:t>
+            </a:r>
+          </a:p>
+          <a:p>
+            <a:r>
+              <a:rPr lang="en-US" sz="1000" b="1" dirty="0" err="1">
+                <a:solidFill>
+                  <a:schemeClr val="tx1"/>
+                </a:solidFill>
+                <a:latin typeface="Arial" panose="020B0604020202020204" pitchFamily="34" charset="0"/>
+                <a:cs typeface="Arial" panose="020B0604020202020204" pitchFamily="34" charset="0"/>
+              </a:rPr>
+              <a:t>this.m_tag_place</a:t>
+            </a:r>
+            <a:r>
+              <a:rPr lang="en-US" sz="1000" b="1" dirty="0">
+                <a:solidFill>
+                  <a:schemeClr val="tx1"/>
+                </a:solidFill>
+                <a:latin typeface="Arial" panose="020B0604020202020204" pitchFamily="34" charset="0"/>
+                <a:cs typeface="Arial" panose="020B0604020202020204" pitchFamily="34" charset="0"/>
+              </a:rPr>
+              <a:t> = "Place";</a:t>
+            </a:r>
+          </a:p>
+          <a:p>
+            <a:r>
+              <a:rPr lang="en-US" sz="1000" b="1" dirty="0" err="1">
+                <a:solidFill>
+                  <a:schemeClr val="tx1"/>
+                </a:solidFill>
+                <a:latin typeface="Arial" panose="020B0604020202020204" pitchFamily="34" charset="0"/>
+                <a:cs typeface="Arial" panose="020B0604020202020204" pitchFamily="34" charset="0"/>
+              </a:rPr>
+              <a:t>this.m_tag_address</a:t>
+            </a:r>
+            <a:r>
+              <a:rPr lang="en-US" sz="1000" b="1" dirty="0">
+                <a:solidFill>
+                  <a:schemeClr val="tx1"/>
+                </a:solidFill>
+                <a:latin typeface="Arial" panose="020B0604020202020204" pitchFamily="34" charset="0"/>
+                <a:cs typeface="Arial" panose="020B0604020202020204" pitchFamily="34" charset="0"/>
+              </a:rPr>
+              <a:t> = "Address";</a:t>
+            </a:r>
+          </a:p>
+          <a:p>
+            <a:r>
+              <a:rPr lang="en-US" sz="1000" b="1" dirty="0" err="1">
+                <a:solidFill>
+                  <a:schemeClr val="tx1"/>
+                </a:solidFill>
+                <a:latin typeface="Arial" panose="020B0604020202020204" pitchFamily="34" charset="0"/>
+                <a:cs typeface="Arial" panose="020B0604020202020204" pitchFamily="34" charset="0"/>
+              </a:rPr>
+              <a:t>this.m_tag_event_cancelled</a:t>
+            </a:r>
+            <a:r>
+              <a:rPr lang="en-US" sz="1000" b="1" dirty="0">
+                <a:solidFill>
+                  <a:schemeClr val="tx1"/>
+                </a:solidFill>
+                <a:latin typeface="Arial" panose="020B0604020202020204" pitchFamily="34" charset="0"/>
+                <a:cs typeface="Arial" panose="020B0604020202020204" pitchFamily="34" charset="0"/>
+              </a:rPr>
+              <a:t> = "</a:t>
+            </a:r>
+            <a:r>
+              <a:rPr lang="en-US" sz="1000" b="1" dirty="0" err="1">
+                <a:solidFill>
+                  <a:schemeClr val="tx1"/>
+                </a:solidFill>
+                <a:latin typeface="Arial" panose="020B0604020202020204" pitchFamily="34" charset="0"/>
+                <a:cs typeface="Arial" panose="020B0604020202020204" pitchFamily="34" charset="0"/>
+              </a:rPr>
+              <a:t>EventCancelled</a:t>
+            </a:r>
+            <a:r>
+              <a:rPr lang="en-US" sz="1000" b="1" dirty="0">
+                <a:solidFill>
+                  <a:schemeClr val="tx1"/>
+                </a:solidFill>
+                <a:latin typeface="Arial" panose="020B0604020202020204" pitchFamily="34" charset="0"/>
+                <a:cs typeface="Arial" panose="020B0604020202020204" pitchFamily="34" charset="0"/>
+              </a:rPr>
+              <a:t>";</a:t>
+            </a:r>
+          </a:p>
+          <a:p>
+            <a:r>
+              <a:rPr lang="en-US" sz="1000" b="1" dirty="0" err="1">
+                <a:solidFill>
+                  <a:schemeClr val="tx1"/>
+                </a:solidFill>
+                <a:latin typeface="Arial" panose="020B0604020202020204" pitchFamily="34" charset="0"/>
+                <a:cs typeface="Arial" panose="020B0604020202020204" pitchFamily="34" charset="0"/>
+              </a:rPr>
+              <a:t>this.m_tag_event_name</a:t>
+            </a:r>
+            <a:r>
+              <a:rPr lang="en-US" sz="1000" b="1" dirty="0">
+                <a:solidFill>
+                  <a:schemeClr val="tx1"/>
+                </a:solidFill>
+                <a:latin typeface="Arial" panose="020B0604020202020204" pitchFamily="34" charset="0"/>
+                <a:cs typeface="Arial" panose="020B0604020202020204" pitchFamily="34" charset="0"/>
+              </a:rPr>
+              <a:t> = "</a:t>
+            </a:r>
+            <a:r>
+              <a:rPr lang="en-US" sz="1000" b="1" dirty="0" err="1">
+                <a:solidFill>
+                  <a:schemeClr val="tx1"/>
+                </a:solidFill>
+                <a:latin typeface="Arial" panose="020B0604020202020204" pitchFamily="34" charset="0"/>
+                <a:cs typeface="Arial" panose="020B0604020202020204" pitchFamily="34" charset="0"/>
+              </a:rPr>
+              <a:t>EventName</a:t>
+            </a:r>
+            <a:r>
+              <a:rPr lang="en-US" sz="1000" b="1" dirty="0">
+                <a:solidFill>
+                  <a:schemeClr val="tx1"/>
+                </a:solidFill>
+                <a:latin typeface="Arial" panose="020B0604020202020204" pitchFamily="34" charset="0"/>
+                <a:cs typeface="Arial" panose="020B0604020202020204" pitchFamily="34" charset="0"/>
+              </a:rPr>
+              <a:t>";</a:t>
+            </a:r>
+          </a:p>
+          <a:p>
+            <a:r>
+              <a:rPr lang="en-US" sz="1000" b="1" dirty="0" err="1">
+                <a:solidFill>
+                  <a:schemeClr val="tx1"/>
+                </a:solidFill>
+                <a:latin typeface="Arial" panose="020B0604020202020204" pitchFamily="34" charset="0"/>
+                <a:cs typeface="Arial" panose="020B0604020202020204" pitchFamily="34" charset="0"/>
+              </a:rPr>
+              <a:t>this.m_tag_short_text</a:t>
+            </a:r>
+            <a:r>
+              <a:rPr lang="en-US" sz="1000" b="1" dirty="0">
+                <a:solidFill>
+                  <a:schemeClr val="tx1"/>
+                </a:solidFill>
+                <a:latin typeface="Arial" panose="020B0604020202020204" pitchFamily="34" charset="0"/>
+                <a:cs typeface="Arial" panose="020B0604020202020204" pitchFamily="34" charset="0"/>
+              </a:rPr>
+              <a:t> = "</a:t>
+            </a:r>
+            <a:r>
+              <a:rPr lang="en-US" sz="1000" b="1" dirty="0" err="1">
+                <a:solidFill>
+                  <a:schemeClr val="tx1"/>
+                </a:solidFill>
+                <a:latin typeface="Arial" panose="020B0604020202020204" pitchFamily="34" charset="0"/>
+                <a:cs typeface="Arial" panose="020B0604020202020204" pitchFamily="34" charset="0"/>
+              </a:rPr>
+              <a:t>ShortText</a:t>
+            </a:r>
+            <a:r>
+              <a:rPr lang="en-US" sz="1000" b="1" dirty="0">
+                <a:solidFill>
+                  <a:schemeClr val="tx1"/>
+                </a:solidFill>
+                <a:latin typeface="Arial" panose="020B0604020202020204" pitchFamily="34" charset="0"/>
+                <a:cs typeface="Arial" panose="020B0604020202020204" pitchFamily="34" charset="0"/>
+              </a:rPr>
+              <a:t>";</a:t>
+            </a:r>
+          </a:p>
+          <a:p>
+            <a:r>
+              <a:rPr lang="en-US" sz="1000" b="1" dirty="0" err="1">
+                <a:solidFill>
+                  <a:schemeClr val="tx1"/>
+                </a:solidFill>
+                <a:latin typeface="Arial" panose="020B0604020202020204" pitchFamily="34" charset="0"/>
+                <a:cs typeface="Arial" panose="020B0604020202020204" pitchFamily="34" charset="0"/>
+              </a:rPr>
+              <a:t>this.m_tag_url_reservation_dir</a:t>
+            </a:r>
+            <a:r>
+              <a:rPr lang="en-US" sz="1000" b="1" dirty="0">
+                <a:solidFill>
+                  <a:schemeClr val="tx1"/>
+                </a:solidFill>
+                <a:latin typeface="Arial" panose="020B0604020202020204" pitchFamily="34" charset="0"/>
+                <a:cs typeface="Arial" panose="020B0604020202020204" pitchFamily="34" charset="0"/>
+              </a:rPr>
+              <a:t> = "</a:t>
+            </a:r>
+            <a:r>
+              <a:rPr lang="en-US" sz="1000" b="1" dirty="0" err="1">
+                <a:solidFill>
+                  <a:schemeClr val="tx1"/>
+                </a:solidFill>
+                <a:latin typeface="Arial" panose="020B0604020202020204" pitchFamily="34" charset="0"/>
+                <a:cs typeface="Arial" panose="020B0604020202020204" pitchFamily="34" charset="0"/>
+              </a:rPr>
+              <a:t>UrlReservationDir</a:t>
+            </a:r>
+            <a:r>
+              <a:rPr lang="en-US" sz="1000" b="1" dirty="0">
+                <a:solidFill>
+                  <a:schemeClr val="tx1"/>
+                </a:solidFill>
+                <a:latin typeface="Arial" panose="020B0604020202020204" pitchFamily="34" charset="0"/>
+                <a:cs typeface="Arial" panose="020B0604020202020204" pitchFamily="34" charset="0"/>
+              </a:rPr>
+              <a:t>";</a:t>
+            </a:r>
+          </a:p>
+          <a:p>
+            <a:r>
+              <a:rPr lang="en-US" sz="1000" b="1" dirty="0" err="1">
+                <a:solidFill>
+                  <a:schemeClr val="tx1"/>
+                </a:solidFill>
+                <a:latin typeface="Arial" panose="020B0604020202020204" pitchFamily="34" charset="0"/>
+                <a:cs typeface="Arial" panose="020B0604020202020204" pitchFamily="34" charset="0"/>
+              </a:rPr>
+              <a:t>this.m_tag_prices</a:t>
+            </a:r>
+            <a:r>
+              <a:rPr lang="en-US" sz="1000" b="1" dirty="0">
+                <a:solidFill>
+                  <a:schemeClr val="tx1"/>
+                </a:solidFill>
+                <a:latin typeface="Arial" panose="020B0604020202020204" pitchFamily="34" charset="0"/>
+                <a:cs typeface="Arial" panose="020B0604020202020204" pitchFamily="34" charset="0"/>
+              </a:rPr>
+              <a:t> = "Prices";</a:t>
+            </a:r>
+          </a:p>
+          <a:p>
+            <a:r>
+              <a:rPr lang="en-US" sz="1000" b="1" dirty="0" err="1">
+                <a:solidFill>
+                  <a:schemeClr val="tx1"/>
+                </a:solidFill>
+                <a:latin typeface="Arial" panose="020B0604020202020204" pitchFamily="34" charset="0"/>
+                <a:cs typeface="Arial" panose="020B0604020202020204" pitchFamily="34" charset="0"/>
+              </a:rPr>
+              <a:t>this.m_tag_instructions</a:t>
+            </a:r>
+            <a:r>
+              <a:rPr lang="en-US" sz="1000" b="1" dirty="0">
+                <a:solidFill>
+                  <a:schemeClr val="tx1"/>
+                </a:solidFill>
+                <a:latin typeface="Arial" panose="020B0604020202020204" pitchFamily="34" charset="0"/>
+                <a:cs typeface="Arial" panose="020B0604020202020204" pitchFamily="34" charset="0"/>
+              </a:rPr>
+              <a:t> = "Instructions";</a:t>
+            </a:r>
+          </a:p>
+          <a:p>
+            <a:r>
+              <a:rPr lang="en-US" sz="1000" b="1" dirty="0" err="1">
+                <a:solidFill>
+                  <a:schemeClr val="tx1"/>
+                </a:solidFill>
+                <a:latin typeface="Arial" panose="020B0604020202020204" pitchFamily="34" charset="0"/>
+                <a:cs typeface="Arial" panose="020B0604020202020204" pitchFamily="34" charset="0"/>
+              </a:rPr>
+              <a:t>this.m_tag_max_reservations</a:t>
+            </a:r>
+            <a:r>
+              <a:rPr lang="en-US" sz="1000" b="1" dirty="0">
+                <a:solidFill>
+                  <a:schemeClr val="tx1"/>
+                </a:solidFill>
+                <a:latin typeface="Arial" panose="020B0604020202020204" pitchFamily="34" charset="0"/>
+                <a:cs typeface="Arial" panose="020B0604020202020204" pitchFamily="34" charset="0"/>
+              </a:rPr>
+              <a:t> = "</a:t>
+            </a:r>
+            <a:r>
+              <a:rPr lang="en-US" sz="1000" b="1" dirty="0" err="1">
+                <a:solidFill>
+                  <a:schemeClr val="tx1"/>
+                </a:solidFill>
+                <a:latin typeface="Arial" panose="020B0604020202020204" pitchFamily="34" charset="0"/>
+                <a:cs typeface="Arial" panose="020B0604020202020204" pitchFamily="34" charset="0"/>
+              </a:rPr>
+              <a:t>MaxReservations</a:t>
+            </a:r>
+            <a:r>
+              <a:rPr lang="en-US" sz="1000" b="1" dirty="0">
+                <a:solidFill>
+                  <a:schemeClr val="tx1"/>
+                </a:solidFill>
+                <a:latin typeface="Arial" panose="020B0604020202020204" pitchFamily="34" charset="0"/>
+                <a:cs typeface="Arial" panose="020B0604020202020204" pitchFamily="34" charset="0"/>
+              </a:rPr>
+              <a:t>";</a:t>
+            </a:r>
+          </a:p>
+          <a:p>
+            <a:r>
+              <a:rPr lang="en-US" sz="1000" b="1" dirty="0" err="1">
+                <a:solidFill>
+                  <a:schemeClr val="tx1"/>
+                </a:solidFill>
+                <a:latin typeface="Arial" panose="020B0604020202020204" pitchFamily="34" charset="0"/>
+                <a:cs typeface="Arial" panose="020B0604020202020204" pitchFamily="34" charset="0"/>
+              </a:rPr>
+              <a:t>this.m_tag_email_subject</a:t>
+            </a:r>
+            <a:r>
+              <a:rPr lang="en-US" sz="1000" b="1" dirty="0">
+                <a:solidFill>
+                  <a:schemeClr val="tx1"/>
+                </a:solidFill>
+                <a:latin typeface="Arial" panose="020B0604020202020204" pitchFamily="34" charset="0"/>
+                <a:cs typeface="Arial" panose="020B0604020202020204" pitchFamily="34" charset="0"/>
+              </a:rPr>
+              <a:t> = "</a:t>
+            </a:r>
+            <a:r>
+              <a:rPr lang="en-US" sz="1000" b="1" dirty="0" err="1">
+                <a:solidFill>
+                  <a:schemeClr val="tx1"/>
+                </a:solidFill>
+                <a:latin typeface="Arial" panose="020B0604020202020204" pitchFamily="34" charset="0"/>
+                <a:cs typeface="Arial" panose="020B0604020202020204" pitchFamily="34" charset="0"/>
+              </a:rPr>
+              <a:t>EmailSubject</a:t>
+            </a:r>
+            <a:r>
+              <a:rPr lang="en-US" sz="1000" b="1" dirty="0">
+                <a:solidFill>
+                  <a:schemeClr val="tx1"/>
+                </a:solidFill>
+                <a:latin typeface="Arial" panose="020B0604020202020204" pitchFamily="34" charset="0"/>
+                <a:cs typeface="Arial" panose="020B0604020202020204" pitchFamily="34" charset="0"/>
+              </a:rPr>
+              <a:t>";</a:t>
+            </a:r>
+          </a:p>
+          <a:p>
+            <a:r>
+              <a:rPr lang="en-US" sz="1000" b="1" dirty="0" err="1">
+                <a:solidFill>
+                  <a:schemeClr val="tx1"/>
+                </a:solidFill>
+                <a:latin typeface="Arial" panose="020B0604020202020204" pitchFamily="34" charset="0"/>
+                <a:cs typeface="Arial" panose="020B0604020202020204" pitchFamily="34" charset="0"/>
+              </a:rPr>
+              <a:t>this.m_tag_email_header</a:t>
+            </a:r>
+            <a:r>
+              <a:rPr lang="en-US" sz="1000" b="1" dirty="0">
+                <a:solidFill>
+                  <a:schemeClr val="tx1"/>
+                </a:solidFill>
+                <a:latin typeface="Arial" panose="020B0604020202020204" pitchFamily="34" charset="0"/>
+                <a:cs typeface="Arial" panose="020B0604020202020204" pitchFamily="34" charset="0"/>
+              </a:rPr>
+              <a:t> = "</a:t>
+            </a:r>
+            <a:r>
+              <a:rPr lang="en-US" sz="1000" b="1" dirty="0" err="1">
+                <a:solidFill>
+                  <a:schemeClr val="tx1"/>
+                </a:solidFill>
+                <a:latin typeface="Arial" panose="020B0604020202020204" pitchFamily="34" charset="0"/>
+                <a:cs typeface="Arial" panose="020B0604020202020204" pitchFamily="34" charset="0"/>
+              </a:rPr>
+              <a:t>EmailHeader</a:t>
+            </a:r>
+            <a:r>
+              <a:rPr lang="en-US" sz="1000" b="1" dirty="0">
+                <a:solidFill>
+                  <a:schemeClr val="tx1"/>
+                </a:solidFill>
+                <a:latin typeface="Arial" panose="020B0604020202020204" pitchFamily="34" charset="0"/>
+                <a:cs typeface="Arial" panose="020B0604020202020204" pitchFamily="34" charset="0"/>
+              </a:rPr>
+              <a:t>";</a:t>
+            </a:r>
+          </a:p>
+          <a:p>
+            <a:r>
+              <a:rPr lang="en-US" sz="1000" b="1" dirty="0" err="1">
+                <a:solidFill>
+                  <a:schemeClr val="tx1"/>
+                </a:solidFill>
+                <a:latin typeface="Arial" panose="020B0604020202020204" pitchFamily="34" charset="0"/>
+                <a:cs typeface="Arial" panose="020B0604020202020204" pitchFamily="34" charset="0"/>
+              </a:rPr>
+              <a:t>this.m_tag_email_content</a:t>
+            </a:r>
+            <a:r>
+              <a:rPr lang="en-US" sz="1000" b="1" dirty="0">
+                <a:solidFill>
+                  <a:schemeClr val="tx1"/>
+                </a:solidFill>
+                <a:latin typeface="Arial" panose="020B0604020202020204" pitchFamily="34" charset="0"/>
+                <a:cs typeface="Arial" panose="020B0604020202020204" pitchFamily="34" charset="0"/>
+              </a:rPr>
+              <a:t> = "</a:t>
+            </a:r>
+            <a:r>
+              <a:rPr lang="en-US" sz="1000" b="1" dirty="0" err="1">
+                <a:solidFill>
+                  <a:schemeClr val="tx1"/>
+                </a:solidFill>
+                <a:latin typeface="Arial" panose="020B0604020202020204" pitchFamily="34" charset="0"/>
+                <a:cs typeface="Arial" panose="020B0604020202020204" pitchFamily="34" charset="0"/>
+              </a:rPr>
+              <a:t>EmailContent</a:t>
+            </a:r>
+            <a:r>
+              <a:rPr lang="en-US" sz="1000" b="1" dirty="0">
+                <a:solidFill>
+                  <a:schemeClr val="tx1"/>
+                </a:solidFill>
+                <a:latin typeface="Arial" panose="020B0604020202020204" pitchFamily="34" charset="0"/>
+                <a:cs typeface="Arial" panose="020B0604020202020204" pitchFamily="34" charset="0"/>
+              </a:rPr>
+              <a:t>";</a:t>
+            </a:r>
+          </a:p>
+          <a:p>
+            <a:r>
+              <a:rPr lang="en-US" sz="1000" b="1" dirty="0" err="1">
+                <a:solidFill>
+                  <a:schemeClr val="tx1"/>
+                </a:solidFill>
+                <a:latin typeface="Arial" panose="020B0604020202020204" pitchFamily="34" charset="0"/>
+                <a:cs typeface="Arial" panose="020B0604020202020204" pitchFamily="34" charset="0"/>
+              </a:rPr>
+              <a:t>this.m_tag_email_seats</a:t>
+            </a:r>
+            <a:r>
+              <a:rPr lang="en-US" sz="1000" b="1" dirty="0">
+                <a:solidFill>
+                  <a:schemeClr val="tx1"/>
+                </a:solidFill>
+                <a:latin typeface="Arial" panose="020B0604020202020204" pitchFamily="34" charset="0"/>
+                <a:cs typeface="Arial" panose="020B0604020202020204" pitchFamily="34" charset="0"/>
+              </a:rPr>
+              <a:t> = "</a:t>
+            </a:r>
+            <a:r>
+              <a:rPr lang="en-US" sz="1000" b="1" dirty="0" err="1">
+                <a:solidFill>
+                  <a:schemeClr val="tx1"/>
+                </a:solidFill>
+                <a:latin typeface="Arial" panose="020B0604020202020204" pitchFamily="34" charset="0"/>
+                <a:cs typeface="Arial" panose="020B0604020202020204" pitchFamily="34" charset="0"/>
+              </a:rPr>
+              <a:t>EmailSeats</a:t>
+            </a:r>
+            <a:r>
+              <a:rPr lang="en-US" sz="1000" b="1" dirty="0">
+                <a:solidFill>
+                  <a:schemeClr val="tx1"/>
+                </a:solidFill>
+                <a:latin typeface="Arial" panose="020B0604020202020204" pitchFamily="34" charset="0"/>
+                <a:cs typeface="Arial" panose="020B0604020202020204" pitchFamily="34" charset="0"/>
+              </a:rPr>
+              <a:t>";</a:t>
+            </a:r>
+          </a:p>
+          <a:p>
+            <a:r>
+              <a:rPr lang="en-US" sz="1000" b="1" dirty="0" err="1">
+                <a:solidFill>
+                  <a:schemeClr val="tx1"/>
+                </a:solidFill>
+                <a:latin typeface="Arial" panose="020B0604020202020204" pitchFamily="34" charset="0"/>
+                <a:cs typeface="Arial" panose="020B0604020202020204" pitchFamily="34" charset="0"/>
+              </a:rPr>
+              <a:t>this.m_tag_pay_method</a:t>
+            </a:r>
+            <a:r>
+              <a:rPr lang="en-US" sz="1000" b="1" dirty="0">
+                <a:solidFill>
+                  <a:schemeClr val="tx1"/>
+                </a:solidFill>
+                <a:latin typeface="Arial" panose="020B0604020202020204" pitchFamily="34" charset="0"/>
+                <a:cs typeface="Arial" panose="020B0604020202020204" pitchFamily="34" charset="0"/>
+              </a:rPr>
+              <a:t> = "</a:t>
+            </a:r>
+            <a:r>
+              <a:rPr lang="en-US" sz="1000" b="1" dirty="0" err="1">
+                <a:solidFill>
+                  <a:schemeClr val="tx1"/>
+                </a:solidFill>
+                <a:latin typeface="Arial" panose="020B0604020202020204" pitchFamily="34" charset="0"/>
+                <a:cs typeface="Arial" panose="020B0604020202020204" pitchFamily="34" charset="0"/>
+              </a:rPr>
+              <a:t>PayMethod</a:t>
+            </a:r>
+            <a:r>
+              <a:rPr lang="en-US" sz="1000" b="1" dirty="0">
+                <a:solidFill>
+                  <a:schemeClr val="tx1"/>
+                </a:solidFill>
+                <a:latin typeface="Arial" panose="020B0604020202020204" pitchFamily="34" charset="0"/>
+                <a:cs typeface="Arial" panose="020B0604020202020204" pitchFamily="34" charset="0"/>
+              </a:rPr>
+              <a:t>";</a:t>
+            </a:r>
+          </a:p>
+        </p:txBody>
+      </p:sp>
+      <p:sp>
+        <p:nvSpPr>
+          <p:cNvPr id="4" name="Rechteck 3">
+            <a:extLst>
+              <a:ext uri="{FF2B5EF4-FFF2-40B4-BE49-F238E27FC236}">
+                <a16:creationId xmlns:a16="http://schemas.microsoft.com/office/drawing/2014/main" id="{E89A05A6-6622-B6CD-462A-138AF8CB57E0}"/>
+              </a:ext>
+            </a:extLst>
+          </p:cNvPr>
+          <p:cNvSpPr/>
+          <p:nvPr/>
+        </p:nvSpPr>
+        <p:spPr>
+          <a:xfrm>
+            <a:off x="730310" y="687631"/>
+            <a:ext cx="6678406" cy="570469"/>
+          </a:xfrm>
+          <a:prstGeom prst="rect">
+            <a:avLst/>
+          </a:prstGeom>
+          <a:noFill/>
+          <a:ln w="19050">
+            <a:solidFill>
+              <a:schemeClr val="tx1"/>
+            </a:solidFill>
+          </a:ln>
+        </p:spPr>
+        <p:style>
+          <a:lnRef idx="2">
+            <a:schemeClr val="accent1">
+              <a:shade val="50000"/>
+            </a:schemeClr>
+          </a:lnRef>
+          <a:fillRef idx="1">
+            <a:schemeClr val="accent1"/>
+          </a:fillRef>
+          <a:effectRef idx="0">
+            <a:schemeClr val="accent1"/>
+          </a:effectRef>
+          <a:fontRef idx="minor">
+            <a:schemeClr val="lt1"/>
+          </a:fontRef>
+        </p:style>
+        <p:txBody>
+          <a:bodyPr rtlCol="0" anchor="ctr"/>
+          <a:lstStyle/>
+          <a:p>
+            <a:pPr algn="ctr"/>
+            <a:r>
+              <a:rPr lang="de-CH" b="1" dirty="0" err="1">
+                <a:solidFill>
+                  <a:schemeClr val="tx1"/>
+                </a:solidFill>
+                <a:latin typeface="Arial" panose="020B0604020202020204" pitchFamily="34" charset="0"/>
+                <a:cs typeface="Arial" panose="020B0604020202020204" pitchFamily="34" charset="0"/>
+              </a:rPr>
+              <a:t>EventProgramXml</a:t>
+            </a:r>
+            <a:endParaRPr lang="de-CH" b="1" dirty="0">
+              <a:solidFill>
+                <a:schemeClr val="tx1"/>
+              </a:solidFill>
+              <a:latin typeface="Arial" panose="020B0604020202020204" pitchFamily="34" charset="0"/>
+              <a:cs typeface="Arial" panose="020B0604020202020204" pitchFamily="34" charset="0"/>
+            </a:endParaRPr>
+          </a:p>
+          <a:p>
+            <a:pPr algn="ctr"/>
+            <a:r>
+              <a:rPr lang="en-US" sz="1400" dirty="0">
+                <a:solidFill>
+                  <a:schemeClr val="tx1"/>
+                </a:solidFill>
+                <a:latin typeface="Arial" panose="020B0604020202020204" pitchFamily="34" charset="0"/>
+                <a:cs typeface="Arial" panose="020B0604020202020204" pitchFamily="34" charset="0"/>
+              </a:rPr>
+              <a:t>Handles an event program</a:t>
+            </a:r>
+            <a:endParaRPr lang="de-CH" sz="1400" dirty="0">
+              <a:solidFill>
+                <a:schemeClr val="tx1"/>
+              </a:solidFill>
+              <a:latin typeface="Arial" panose="020B0604020202020204" pitchFamily="34" charset="0"/>
+              <a:cs typeface="Arial" panose="020B0604020202020204" pitchFamily="34" charset="0"/>
+            </a:endParaRPr>
+          </a:p>
+        </p:txBody>
+      </p:sp>
+      <p:sp>
+        <p:nvSpPr>
+          <p:cNvPr id="5" name="Rechteck 4">
+            <a:extLst>
+              <a:ext uri="{FF2B5EF4-FFF2-40B4-BE49-F238E27FC236}">
+                <a16:creationId xmlns:a16="http://schemas.microsoft.com/office/drawing/2014/main" id="{877F1337-A9DE-6C8A-7DB0-30C5761C44BE}"/>
+              </a:ext>
+            </a:extLst>
+          </p:cNvPr>
+          <p:cNvSpPr/>
+          <p:nvPr/>
+        </p:nvSpPr>
+        <p:spPr>
+          <a:xfrm>
+            <a:off x="730308" y="1258100"/>
+            <a:ext cx="6678408" cy="4675109"/>
+          </a:xfrm>
+          <a:prstGeom prst="rect">
+            <a:avLst/>
+          </a:prstGeom>
+          <a:noFill/>
+          <a:ln w="19050">
+            <a:solidFill>
+              <a:schemeClr val="tx1"/>
+            </a:solidFill>
+          </a:ln>
+        </p:spPr>
+        <p:style>
+          <a:lnRef idx="2">
+            <a:schemeClr val="accent1">
+              <a:shade val="50000"/>
+            </a:schemeClr>
+          </a:lnRef>
+          <a:fillRef idx="1">
+            <a:schemeClr val="accent1"/>
+          </a:fillRef>
+          <a:effectRef idx="0">
+            <a:schemeClr val="accent1"/>
+          </a:effectRef>
+          <a:fontRef idx="minor">
+            <a:schemeClr val="lt1"/>
+          </a:fontRef>
+        </p:style>
+        <p:txBody>
+          <a:bodyPr rtlCol="0" anchor="ctr"/>
+          <a:lstStyle/>
+          <a:p>
+            <a:r>
+              <a:rPr lang="en-US" sz="1000" b="1" dirty="0">
+                <a:solidFill>
+                  <a:schemeClr val="tx1"/>
+                </a:solidFill>
+                <a:latin typeface="Arial" panose="020B0604020202020204" pitchFamily="34" charset="0"/>
+                <a:cs typeface="Arial" panose="020B0604020202020204" pitchFamily="34" charset="0"/>
+              </a:rPr>
+              <a:t>constructor(</a:t>
+            </a:r>
+            <a:r>
+              <a:rPr lang="en-US" sz="1000" b="1" dirty="0" err="1">
+                <a:solidFill>
+                  <a:schemeClr val="tx1"/>
+                </a:solidFill>
+                <a:latin typeface="Arial" panose="020B0604020202020204" pitchFamily="34" charset="0"/>
+                <a:cs typeface="Arial" panose="020B0604020202020204" pitchFamily="34" charset="0"/>
+              </a:rPr>
+              <a:t>i_subdir_xml</a:t>
+            </a:r>
+            <a:r>
+              <a:rPr lang="en-US" sz="1000" b="1" dirty="0">
+                <a:solidFill>
+                  <a:schemeClr val="tx1"/>
+                </a:solidFill>
+                <a:latin typeface="Arial" panose="020B0604020202020204" pitchFamily="34" charset="0"/>
+                <a:cs typeface="Arial" panose="020B0604020202020204" pitchFamily="34" charset="0"/>
+              </a:rPr>
+              <a:t>, </a:t>
+            </a:r>
+            <a:r>
+              <a:rPr lang="en-US" sz="1000" b="1" dirty="0" err="1">
+                <a:solidFill>
+                  <a:schemeClr val="tx1"/>
+                </a:solidFill>
+                <a:latin typeface="Arial" panose="020B0604020202020204" pitchFamily="34" charset="0"/>
+                <a:cs typeface="Arial" panose="020B0604020202020204" pitchFamily="34" charset="0"/>
+              </a:rPr>
+              <a:t>i_event_program_file_name</a:t>
+            </a:r>
+            <a:r>
+              <a:rPr lang="en-US" sz="1000" b="1" dirty="0">
+                <a:solidFill>
+                  <a:schemeClr val="tx1"/>
+                </a:solidFill>
+                <a:latin typeface="Arial" panose="020B0604020202020204" pitchFamily="34" charset="0"/>
+                <a:cs typeface="Arial" panose="020B0604020202020204" pitchFamily="34" charset="0"/>
+              </a:rPr>
+              <a:t>, </a:t>
+            </a:r>
+            <a:r>
+              <a:rPr lang="en-US" sz="1000" b="1" dirty="0" err="1">
+                <a:solidFill>
+                  <a:schemeClr val="tx1"/>
+                </a:solidFill>
+                <a:latin typeface="Arial" panose="020B0604020202020204" pitchFamily="34" charset="0"/>
+                <a:cs typeface="Arial" panose="020B0604020202020204" pitchFamily="34" charset="0"/>
+              </a:rPr>
+              <a:t>i_callback_function_name</a:t>
+            </a:r>
+            <a:r>
+              <a:rPr lang="en-US" sz="1000" b="1" dirty="0">
+                <a:solidFill>
+                  <a:schemeClr val="tx1"/>
+                </a:solidFill>
+                <a:latin typeface="Arial" panose="020B0604020202020204" pitchFamily="34" charset="0"/>
+                <a:cs typeface="Arial" panose="020B0604020202020204" pitchFamily="34" charset="0"/>
+              </a:rPr>
+              <a:t>) </a:t>
+            </a:r>
+          </a:p>
+          <a:p>
+            <a:r>
+              <a:rPr lang="en-US" sz="1000" b="1" dirty="0">
+                <a:solidFill>
+                  <a:schemeClr val="tx1"/>
+                </a:solidFill>
+                <a:latin typeface="Arial" panose="020B0604020202020204" pitchFamily="34" charset="0"/>
+                <a:cs typeface="Arial" panose="020B0604020202020204" pitchFamily="34" charset="0"/>
+              </a:rPr>
+              <a:t>{</a:t>
+            </a:r>
+          </a:p>
+          <a:p>
+            <a:r>
+              <a:rPr lang="en-US" sz="1000" b="1" dirty="0">
+                <a:solidFill>
+                  <a:schemeClr val="tx1"/>
+                </a:solidFill>
+                <a:latin typeface="Arial" panose="020B0604020202020204" pitchFamily="34" charset="0"/>
+                <a:cs typeface="Arial" panose="020B0604020202020204" pitchFamily="34" charset="0"/>
+              </a:rPr>
+              <a:t>  </a:t>
+            </a:r>
+            <a:r>
+              <a:rPr lang="en-US" sz="1000" b="1" i="1" dirty="0">
+                <a:solidFill>
+                  <a:schemeClr val="tx1"/>
+                </a:solidFill>
+                <a:latin typeface="Arial" panose="020B0604020202020204" pitchFamily="34" charset="0"/>
+                <a:cs typeface="Arial" panose="020B0604020202020204" pitchFamily="34" charset="0"/>
+              </a:rPr>
+              <a:t>The subdirectory for the event XML file, e.g. </a:t>
+            </a:r>
+            <a:r>
+              <a:rPr lang="en-US" sz="1000" b="1" i="1" dirty="0" err="1">
+                <a:solidFill>
+                  <a:schemeClr val="tx1"/>
+                </a:solidFill>
+                <a:latin typeface="Arial" panose="020B0604020202020204" pitchFamily="34" charset="0"/>
+                <a:cs typeface="Arial" panose="020B0604020202020204" pitchFamily="34" charset="0"/>
+              </a:rPr>
+              <a:t>SaisonXml</a:t>
+            </a:r>
+            <a:endParaRPr lang="en-US" sz="1000" b="1" i="1" dirty="0">
+              <a:solidFill>
+                <a:schemeClr val="tx1"/>
+              </a:solidFill>
+              <a:latin typeface="Arial" panose="020B0604020202020204" pitchFamily="34" charset="0"/>
+              <a:cs typeface="Arial" panose="020B0604020202020204" pitchFamily="34" charset="0"/>
+            </a:endParaRPr>
+          </a:p>
+          <a:p>
+            <a:r>
+              <a:rPr lang="en-US" sz="1000" b="1" dirty="0">
+                <a:solidFill>
+                  <a:schemeClr val="tx1"/>
+                </a:solidFill>
+                <a:latin typeface="Arial" panose="020B0604020202020204" pitchFamily="34" charset="0"/>
+                <a:cs typeface="Arial" panose="020B0604020202020204" pitchFamily="34" charset="0"/>
+              </a:rPr>
+              <a:t>  </a:t>
+            </a:r>
+            <a:r>
+              <a:rPr lang="en-US" sz="1000" b="1" dirty="0" err="1">
+                <a:solidFill>
+                  <a:schemeClr val="tx1"/>
+                </a:solidFill>
+                <a:latin typeface="Arial" panose="020B0604020202020204" pitchFamily="34" charset="0"/>
+                <a:cs typeface="Arial" panose="020B0604020202020204" pitchFamily="34" charset="0"/>
+              </a:rPr>
+              <a:t>this.m_subdir_xml</a:t>
+            </a:r>
+            <a:r>
+              <a:rPr lang="en-US" sz="1000" b="1" dirty="0">
+                <a:solidFill>
+                  <a:schemeClr val="tx1"/>
+                </a:solidFill>
+                <a:latin typeface="Arial" panose="020B0604020202020204" pitchFamily="34" charset="0"/>
+                <a:cs typeface="Arial" panose="020B0604020202020204" pitchFamily="34" charset="0"/>
+              </a:rPr>
+              <a:t> = </a:t>
+            </a:r>
+            <a:r>
+              <a:rPr lang="en-US" sz="1000" b="1" dirty="0" err="1">
+                <a:solidFill>
+                  <a:schemeClr val="tx1"/>
+                </a:solidFill>
+                <a:latin typeface="Arial" panose="020B0604020202020204" pitchFamily="34" charset="0"/>
+                <a:cs typeface="Arial" panose="020B0604020202020204" pitchFamily="34" charset="0"/>
+              </a:rPr>
+              <a:t>i_subdir_xml</a:t>
+            </a:r>
+            <a:r>
+              <a:rPr lang="en-US" sz="1000" b="1" dirty="0">
+                <a:solidFill>
+                  <a:schemeClr val="tx1"/>
+                </a:solidFill>
+                <a:latin typeface="Arial" panose="020B0604020202020204" pitchFamily="34" charset="0"/>
+                <a:cs typeface="Arial" panose="020B0604020202020204" pitchFamily="34" charset="0"/>
+              </a:rPr>
+              <a:t>;</a:t>
+            </a:r>
+          </a:p>
+          <a:p>
+            <a:r>
+              <a:rPr lang="en-US" sz="1000" b="1" dirty="0">
+                <a:solidFill>
+                  <a:schemeClr val="tx1"/>
+                </a:solidFill>
+                <a:latin typeface="Arial" panose="020B0604020202020204" pitchFamily="34" charset="0"/>
+                <a:cs typeface="Arial" panose="020B0604020202020204" pitchFamily="34" charset="0"/>
+              </a:rPr>
+              <a:t>  </a:t>
+            </a:r>
+            <a:r>
+              <a:rPr lang="en-US" sz="1000" b="1" i="1" dirty="0">
+                <a:solidFill>
+                  <a:schemeClr val="tx1"/>
+                </a:solidFill>
+                <a:latin typeface="Arial" panose="020B0604020202020204" pitchFamily="34" charset="0"/>
+                <a:cs typeface="Arial" panose="020B0604020202020204" pitchFamily="34" charset="0"/>
+              </a:rPr>
+              <a:t>Name of the event program XML file</a:t>
+            </a:r>
+          </a:p>
+          <a:p>
+            <a:r>
+              <a:rPr lang="en-US" sz="1000" b="1" dirty="0">
+                <a:solidFill>
+                  <a:schemeClr val="tx1"/>
+                </a:solidFill>
+                <a:latin typeface="Arial" panose="020B0604020202020204" pitchFamily="34" charset="0"/>
+                <a:cs typeface="Arial" panose="020B0604020202020204" pitchFamily="34" charset="0"/>
+              </a:rPr>
+              <a:t>  </a:t>
+            </a:r>
+            <a:r>
+              <a:rPr lang="en-US" sz="1000" b="1" dirty="0" err="1">
+                <a:solidFill>
+                  <a:schemeClr val="tx1"/>
+                </a:solidFill>
+                <a:latin typeface="Arial" panose="020B0604020202020204" pitchFamily="34" charset="0"/>
+                <a:cs typeface="Arial" panose="020B0604020202020204" pitchFamily="34" charset="0"/>
+              </a:rPr>
+              <a:t>this.m_event_program_file_name</a:t>
+            </a:r>
+            <a:r>
+              <a:rPr lang="en-US" sz="1000" b="1" dirty="0">
+                <a:solidFill>
+                  <a:schemeClr val="tx1"/>
+                </a:solidFill>
+                <a:latin typeface="Arial" panose="020B0604020202020204" pitchFamily="34" charset="0"/>
+                <a:cs typeface="Arial" panose="020B0604020202020204" pitchFamily="34" charset="0"/>
+              </a:rPr>
+              <a:t> = </a:t>
+            </a:r>
+            <a:r>
+              <a:rPr lang="en-US" sz="1000" b="1" dirty="0" err="1">
+                <a:solidFill>
+                  <a:schemeClr val="tx1"/>
+                </a:solidFill>
+                <a:latin typeface="Arial" panose="020B0604020202020204" pitchFamily="34" charset="0"/>
+                <a:cs typeface="Arial" panose="020B0604020202020204" pitchFamily="34" charset="0"/>
+              </a:rPr>
+              <a:t>i_event_program_file_name</a:t>
+            </a:r>
+            <a:r>
+              <a:rPr lang="en-US" sz="1000" b="1" dirty="0">
+                <a:solidFill>
+                  <a:schemeClr val="tx1"/>
+                </a:solidFill>
+                <a:latin typeface="Arial" panose="020B0604020202020204" pitchFamily="34" charset="0"/>
+                <a:cs typeface="Arial" panose="020B0604020202020204" pitchFamily="34" charset="0"/>
+              </a:rPr>
+              <a:t>;</a:t>
+            </a:r>
+          </a:p>
+          <a:p>
+            <a:r>
+              <a:rPr lang="en-US" sz="1000" b="1" dirty="0">
+                <a:solidFill>
+                  <a:schemeClr val="tx1"/>
+                </a:solidFill>
+                <a:latin typeface="Arial" panose="020B0604020202020204" pitchFamily="34" charset="0"/>
+                <a:cs typeface="Arial" panose="020B0604020202020204" pitchFamily="34" charset="0"/>
+              </a:rPr>
+              <a:t>  </a:t>
+            </a:r>
+            <a:r>
+              <a:rPr lang="en-US" sz="1000" b="1" i="1" dirty="0">
+                <a:solidFill>
+                  <a:schemeClr val="tx1"/>
+                </a:solidFill>
+                <a:latin typeface="Arial" panose="020B0604020202020204" pitchFamily="34" charset="0"/>
+                <a:cs typeface="Arial" panose="020B0604020202020204" pitchFamily="34" charset="0"/>
+              </a:rPr>
+              <a:t>Call back function name</a:t>
+            </a:r>
+          </a:p>
+          <a:p>
+            <a:r>
+              <a:rPr lang="en-US" sz="1000" b="1" dirty="0">
+                <a:solidFill>
+                  <a:schemeClr val="tx1"/>
+                </a:solidFill>
+                <a:latin typeface="Arial" panose="020B0604020202020204" pitchFamily="34" charset="0"/>
+                <a:cs typeface="Arial" panose="020B0604020202020204" pitchFamily="34" charset="0"/>
+              </a:rPr>
+              <a:t>  </a:t>
+            </a:r>
+            <a:r>
+              <a:rPr lang="en-US" sz="1000" b="1" dirty="0" err="1">
+                <a:solidFill>
+                  <a:schemeClr val="tx1"/>
+                </a:solidFill>
+                <a:latin typeface="Arial" panose="020B0604020202020204" pitchFamily="34" charset="0"/>
+                <a:cs typeface="Arial" panose="020B0604020202020204" pitchFamily="34" charset="0"/>
+              </a:rPr>
+              <a:t>this.m_callback_function_name</a:t>
+            </a:r>
+            <a:r>
+              <a:rPr lang="en-US" sz="1000" b="1" dirty="0">
+                <a:solidFill>
+                  <a:schemeClr val="tx1"/>
+                </a:solidFill>
+                <a:latin typeface="Arial" panose="020B0604020202020204" pitchFamily="34" charset="0"/>
+                <a:cs typeface="Arial" panose="020B0604020202020204" pitchFamily="34" charset="0"/>
+              </a:rPr>
+              <a:t> = </a:t>
+            </a:r>
+            <a:r>
+              <a:rPr lang="en-US" sz="1000" b="1" dirty="0" err="1">
+                <a:solidFill>
+                  <a:schemeClr val="tx1"/>
+                </a:solidFill>
+                <a:latin typeface="Arial" panose="020B0604020202020204" pitchFamily="34" charset="0"/>
+                <a:cs typeface="Arial" panose="020B0604020202020204" pitchFamily="34" charset="0"/>
+              </a:rPr>
+              <a:t>i_callback_function_name</a:t>
+            </a:r>
+            <a:r>
+              <a:rPr lang="en-US" sz="1000" b="1" dirty="0">
+                <a:solidFill>
+                  <a:schemeClr val="tx1"/>
+                </a:solidFill>
+                <a:latin typeface="Arial" panose="020B0604020202020204" pitchFamily="34" charset="0"/>
+                <a:cs typeface="Arial" panose="020B0604020202020204" pitchFamily="34" charset="0"/>
+              </a:rPr>
+              <a:t>;</a:t>
+            </a:r>
+          </a:p>
+          <a:p>
+            <a:r>
+              <a:rPr lang="en-US" sz="1000" b="1" dirty="0">
+                <a:solidFill>
+                  <a:schemeClr val="tx1"/>
+                </a:solidFill>
+                <a:latin typeface="Arial" panose="020B0604020202020204" pitchFamily="34" charset="0"/>
+                <a:cs typeface="Arial" panose="020B0604020202020204" pitchFamily="34" charset="0"/>
+              </a:rPr>
+              <a:t>  </a:t>
+            </a:r>
+            <a:r>
+              <a:rPr lang="en-US" sz="1000" b="1" i="1" dirty="0">
+                <a:solidFill>
+                  <a:schemeClr val="tx1"/>
+                </a:solidFill>
+                <a:latin typeface="Arial" panose="020B0604020202020204" pitchFamily="34" charset="0"/>
+                <a:cs typeface="Arial" panose="020B0604020202020204" pitchFamily="34" charset="0"/>
+              </a:rPr>
+              <a:t>Object holding the tags</a:t>
+            </a:r>
+          </a:p>
+          <a:p>
+            <a:r>
+              <a:rPr lang="en-US" sz="1000" b="1" dirty="0">
+                <a:solidFill>
+                  <a:schemeClr val="tx1"/>
+                </a:solidFill>
+                <a:latin typeface="Arial" panose="020B0604020202020204" pitchFamily="34" charset="0"/>
+                <a:cs typeface="Arial" panose="020B0604020202020204" pitchFamily="34" charset="0"/>
+              </a:rPr>
+              <a:t>  </a:t>
+            </a:r>
+            <a:r>
+              <a:rPr lang="en-US" sz="1000" b="1" dirty="0" err="1">
+                <a:solidFill>
+                  <a:schemeClr val="tx1"/>
+                </a:solidFill>
+                <a:latin typeface="Arial" panose="020B0604020202020204" pitchFamily="34" charset="0"/>
+                <a:cs typeface="Arial" panose="020B0604020202020204" pitchFamily="34" charset="0"/>
+              </a:rPr>
+              <a:t>this.m_tags</a:t>
+            </a:r>
+            <a:r>
+              <a:rPr lang="en-US" sz="1000" b="1" dirty="0">
+                <a:solidFill>
+                  <a:schemeClr val="tx1"/>
+                </a:solidFill>
+                <a:latin typeface="Arial" panose="020B0604020202020204" pitchFamily="34" charset="0"/>
+                <a:cs typeface="Arial" panose="020B0604020202020204" pitchFamily="34" charset="0"/>
+              </a:rPr>
+              <a:t> = new </a:t>
+            </a:r>
+            <a:r>
+              <a:rPr lang="en-US" sz="1000" b="1" dirty="0" err="1">
+                <a:solidFill>
+                  <a:schemeClr val="tx1"/>
+                </a:solidFill>
+                <a:latin typeface="Arial" panose="020B0604020202020204" pitchFamily="34" charset="0"/>
+                <a:cs typeface="Arial" panose="020B0604020202020204" pitchFamily="34" charset="0"/>
+              </a:rPr>
+              <a:t>EventProgramTags</a:t>
+            </a:r>
+            <a:r>
+              <a:rPr lang="en-US" sz="1000" b="1" dirty="0">
+                <a:solidFill>
+                  <a:schemeClr val="tx1"/>
+                </a:solidFill>
+                <a:latin typeface="Arial" panose="020B0604020202020204" pitchFamily="34" charset="0"/>
+                <a:cs typeface="Arial" panose="020B0604020202020204" pitchFamily="34" charset="0"/>
+              </a:rPr>
+              <a:t>();</a:t>
+            </a:r>
+          </a:p>
+          <a:p>
+            <a:r>
+              <a:rPr lang="en-US" sz="1000" b="1" i="1" dirty="0">
+                <a:solidFill>
+                  <a:schemeClr val="tx1"/>
+                </a:solidFill>
+                <a:latin typeface="Arial" panose="020B0604020202020204" pitchFamily="34" charset="0"/>
+                <a:cs typeface="Arial" panose="020B0604020202020204" pitchFamily="34" charset="0"/>
+              </a:rPr>
+              <a:t>  Loads the XML event file, creates the XML object and calls the function </a:t>
+            </a:r>
+            <a:r>
+              <a:rPr lang="en-US" sz="1000" b="1" i="1" dirty="0" err="1">
+                <a:solidFill>
+                  <a:schemeClr val="tx1"/>
+                </a:solidFill>
+                <a:latin typeface="Arial" panose="020B0604020202020204" pitchFamily="34" charset="0"/>
+                <a:cs typeface="Arial" panose="020B0604020202020204" pitchFamily="34" charset="0"/>
+              </a:rPr>
+              <a:t>m_callback_function_name</a:t>
+            </a:r>
+            <a:endParaRPr lang="en-US" sz="1000" b="1" i="1" dirty="0">
+              <a:solidFill>
+                <a:schemeClr val="tx1"/>
+              </a:solidFill>
+              <a:latin typeface="Arial" panose="020B0604020202020204" pitchFamily="34" charset="0"/>
+              <a:cs typeface="Arial" panose="020B0604020202020204" pitchFamily="34" charset="0"/>
+            </a:endParaRPr>
+          </a:p>
+          <a:p>
+            <a:r>
+              <a:rPr lang="en-US" sz="1000" b="1" dirty="0">
+                <a:solidFill>
+                  <a:schemeClr val="tx1"/>
+                </a:solidFill>
+                <a:latin typeface="Arial" panose="020B0604020202020204" pitchFamily="34" charset="0"/>
+                <a:cs typeface="Arial" panose="020B0604020202020204" pitchFamily="34" charset="0"/>
+              </a:rPr>
+              <a:t>  </a:t>
+            </a:r>
+            <a:r>
+              <a:rPr lang="en-US" sz="1000" b="1" dirty="0" err="1">
+                <a:solidFill>
+                  <a:schemeClr val="tx1"/>
+                </a:solidFill>
+                <a:latin typeface="Arial" panose="020B0604020202020204" pitchFamily="34" charset="0"/>
+                <a:cs typeface="Arial" panose="020B0604020202020204" pitchFamily="34" charset="0"/>
+              </a:rPr>
+              <a:t>this.loadOneXmlFile</a:t>
+            </a:r>
+            <a:r>
+              <a:rPr lang="en-US" sz="1000" b="1" dirty="0">
+                <a:solidFill>
+                  <a:schemeClr val="tx1"/>
+                </a:solidFill>
+                <a:latin typeface="Arial" panose="020B0604020202020204" pitchFamily="34" charset="0"/>
+                <a:cs typeface="Arial" panose="020B0604020202020204" pitchFamily="34" charset="0"/>
+              </a:rPr>
+              <a:t>(this, </a:t>
+            </a:r>
+            <a:r>
+              <a:rPr lang="en-US" sz="1000" b="1" dirty="0" err="1">
+                <a:solidFill>
+                  <a:schemeClr val="tx1"/>
+                </a:solidFill>
+                <a:latin typeface="Arial" panose="020B0604020202020204" pitchFamily="34" charset="0"/>
+                <a:cs typeface="Arial" panose="020B0604020202020204" pitchFamily="34" charset="0"/>
+              </a:rPr>
+              <a:t>this.getXmlEventProgramFileName</a:t>
+            </a:r>
+            <a:r>
+              <a:rPr lang="en-US" sz="1000" b="1" dirty="0">
+                <a:solidFill>
+                  <a:schemeClr val="tx1"/>
+                </a:solidFill>
+                <a:latin typeface="Arial" panose="020B0604020202020204" pitchFamily="34" charset="0"/>
+                <a:cs typeface="Arial" panose="020B0604020202020204" pitchFamily="34" charset="0"/>
+              </a:rPr>
+              <a:t>(), </a:t>
+            </a:r>
+            <a:r>
+              <a:rPr lang="en-US" sz="1000" b="1" dirty="0" err="1">
+                <a:solidFill>
+                  <a:schemeClr val="tx1"/>
+                </a:solidFill>
+                <a:latin typeface="Arial" panose="020B0604020202020204" pitchFamily="34" charset="0"/>
+                <a:cs typeface="Arial" panose="020B0604020202020204" pitchFamily="34" charset="0"/>
+              </a:rPr>
+              <a:t>this.m_callback_function_name</a:t>
+            </a:r>
+            <a:r>
+              <a:rPr lang="en-US" sz="1000" b="1" dirty="0">
+                <a:solidFill>
+                  <a:schemeClr val="tx1"/>
+                </a:solidFill>
+                <a:latin typeface="Arial" panose="020B0604020202020204" pitchFamily="34" charset="0"/>
+                <a:cs typeface="Arial" panose="020B0604020202020204" pitchFamily="34" charset="0"/>
+              </a:rPr>
+              <a:t>);</a:t>
+            </a:r>
+          </a:p>
+          <a:p>
+            <a:r>
+              <a:rPr lang="en-US" sz="1000" b="1" dirty="0">
+                <a:solidFill>
+                  <a:schemeClr val="tx1"/>
+                </a:solidFill>
+                <a:latin typeface="Arial" panose="020B0604020202020204" pitchFamily="34" charset="0"/>
+                <a:cs typeface="Arial" panose="020B0604020202020204" pitchFamily="34" charset="0"/>
+              </a:rPr>
+              <a:t>} </a:t>
+            </a:r>
+          </a:p>
+          <a:p>
+            <a:endParaRPr lang="en-US" sz="1000" b="1" dirty="0">
+              <a:solidFill>
+                <a:schemeClr val="tx1"/>
+              </a:solidFill>
+              <a:latin typeface="Arial" panose="020B0604020202020204" pitchFamily="34" charset="0"/>
+              <a:cs typeface="Arial" panose="020B0604020202020204" pitchFamily="34" charset="0"/>
+            </a:endParaRPr>
+          </a:p>
+          <a:p>
+            <a:r>
+              <a:rPr lang="en-US" sz="1000" b="1" dirty="0">
+                <a:solidFill>
+                  <a:schemeClr val="tx1"/>
+                </a:solidFill>
+                <a:latin typeface="Arial" panose="020B0604020202020204" pitchFamily="34" charset="0"/>
+                <a:cs typeface="Arial" panose="020B0604020202020204" pitchFamily="34" charset="0"/>
+              </a:rPr>
+              <a:t>Get and set functions for all XML data (for all tags)</a:t>
+            </a:r>
+          </a:p>
+          <a:p>
+            <a:endParaRPr lang="en-US" sz="1000" b="1" dirty="0">
+              <a:solidFill>
+                <a:schemeClr val="tx1"/>
+              </a:solidFill>
+              <a:latin typeface="Arial" panose="020B0604020202020204" pitchFamily="34" charset="0"/>
+              <a:cs typeface="Arial" panose="020B0604020202020204" pitchFamily="34" charset="0"/>
+            </a:endParaRPr>
+          </a:p>
+          <a:p>
+            <a:r>
+              <a:rPr lang="en-US" sz="1000" b="1" i="1" dirty="0">
+                <a:solidFill>
+                  <a:schemeClr val="tx1"/>
+                </a:solidFill>
+                <a:latin typeface="Arial" panose="020B0604020202020204" pitchFamily="34" charset="0"/>
+                <a:cs typeface="Arial" panose="020B0604020202020204" pitchFamily="34" charset="0"/>
+              </a:rPr>
+              <a:t>Appends an event node   </a:t>
+            </a:r>
+          </a:p>
+          <a:p>
+            <a:r>
+              <a:rPr lang="en-US" sz="1000" b="1" dirty="0" err="1">
+                <a:solidFill>
+                  <a:schemeClr val="tx1"/>
+                </a:solidFill>
+                <a:latin typeface="Arial" panose="020B0604020202020204" pitchFamily="34" charset="0"/>
+                <a:cs typeface="Arial" panose="020B0604020202020204" pitchFamily="34" charset="0"/>
+              </a:rPr>
+              <a:t>appendEventNode</a:t>
+            </a:r>
+            <a:r>
+              <a:rPr lang="en-US" sz="1000" b="1" dirty="0">
+                <a:solidFill>
+                  <a:schemeClr val="tx1"/>
+                </a:solidFill>
+                <a:latin typeface="Arial" panose="020B0604020202020204" pitchFamily="34" charset="0"/>
+                <a:cs typeface="Arial" panose="020B0604020202020204" pitchFamily="34" charset="0"/>
+              </a:rPr>
+              <a:t>()</a:t>
+            </a:r>
+          </a:p>
+          <a:p>
+            <a:endParaRPr lang="en-US" sz="1000" b="1" dirty="0">
+              <a:solidFill>
+                <a:schemeClr val="tx1"/>
+              </a:solidFill>
+              <a:latin typeface="Arial" panose="020B0604020202020204" pitchFamily="34" charset="0"/>
+              <a:cs typeface="Arial" panose="020B0604020202020204" pitchFamily="34" charset="0"/>
+            </a:endParaRPr>
+          </a:p>
+          <a:p>
+            <a:r>
+              <a:rPr lang="en-US" sz="1000" b="1" i="1" dirty="0">
+                <a:solidFill>
+                  <a:schemeClr val="tx1"/>
+                </a:solidFill>
+                <a:latin typeface="Arial" panose="020B0604020202020204" pitchFamily="34" charset="0"/>
+                <a:cs typeface="Arial" panose="020B0604020202020204" pitchFamily="34" charset="0"/>
+              </a:rPr>
+              <a:t>Returns the number of events</a:t>
+            </a:r>
+          </a:p>
+          <a:p>
+            <a:r>
+              <a:rPr lang="en-US" sz="1000" b="1" dirty="0" err="1">
+                <a:solidFill>
+                  <a:schemeClr val="tx1"/>
+                </a:solidFill>
+                <a:latin typeface="Arial" panose="020B0604020202020204" pitchFamily="34" charset="0"/>
+                <a:cs typeface="Arial" panose="020B0604020202020204" pitchFamily="34" charset="0"/>
+              </a:rPr>
+              <a:t>getNumberOfEvents</a:t>
+            </a:r>
+            <a:r>
+              <a:rPr lang="en-US" sz="1000" b="1" dirty="0">
+                <a:solidFill>
+                  <a:schemeClr val="tx1"/>
+                </a:solidFill>
+                <a:latin typeface="Arial" panose="020B0604020202020204" pitchFamily="34" charset="0"/>
+                <a:cs typeface="Arial" panose="020B0604020202020204" pitchFamily="34" charset="0"/>
+              </a:rPr>
+              <a:t>()</a:t>
+            </a:r>
+          </a:p>
+          <a:p>
+            <a:endParaRPr lang="en-US" sz="1000" b="1" dirty="0">
+              <a:solidFill>
+                <a:schemeClr val="tx1"/>
+              </a:solidFill>
+              <a:latin typeface="Arial" panose="020B0604020202020204" pitchFamily="34" charset="0"/>
+              <a:cs typeface="Arial" panose="020B0604020202020204" pitchFamily="34" charset="0"/>
+            </a:endParaRPr>
+          </a:p>
+          <a:p>
+            <a:r>
+              <a:rPr lang="en-US" sz="1000" b="1" i="1" dirty="0">
+                <a:solidFill>
+                  <a:schemeClr val="tx1"/>
+                </a:solidFill>
+                <a:latin typeface="Arial" panose="020B0604020202020204" pitchFamily="34" charset="0"/>
+                <a:cs typeface="Arial" panose="020B0604020202020204" pitchFamily="34" charset="0"/>
+              </a:rPr>
+              <a:t>Returns an array of event names</a:t>
+            </a:r>
+          </a:p>
+          <a:p>
+            <a:r>
+              <a:rPr lang="en-US" sz="1000" b="1" dirty="0" err="1">
+                <a:solidFill>
+                  <a:schemeClr val="tx1"/>
+                </a:solidFill>
+                <a:latin typeface="Arial" panose="020B0604020202020204" pitchFamily="34" charset="0"/>
+                <a:cs typeface="Arial" panose="020B0604020202020204" pitchFamily="34" charset="0"/>
+              </a:rPr>
+              <a:t>getEventNameArray</a:t>
+            </a:r>
+            <a:r>
+              <a:rPr lang="en-US" sz="1000" b="1" dirty="0">
+                <a:solidFill>
+                  <a:schemeClr val="tx1"/>
+                </a:solidFill>
+                <a:latin typeface="Arial" panose="020B0604020202020204" pitchFamily="34" charset="0"/>
+                <a:cs typeface="Arial" panose="020B0604020202020204" pitchFamily="34" charset="0"/>
+              </a:rPr>
+              <a:t>(</a:t>
+            </a:r>
+            <a:r>
+              <a:rPr lang="en-US" sz="1000" b="1" dirty="0" err="1">
+                <a:solidFill>
+                  <a:schemeClr val="tx1"/>
+                </a:solidFill>
+                <a:latin typeface="Arial" panose="020B0604020202020204" pitchFamily="34" charset="0"/>
+                <a:cs typeface="Arial" panose="020B0604020202020204" pitchFamily="34" charset="0"/>
+              </a:rPr>
+              <a:t>i_b_only_coming</a:t>
+            </a:r>
+            <a:r>
+              <a:rPr lang="en-US" sz="1000" b="1" dirty="0">
+                <a:solidFill>
+                  <a:schemeClr val="tx1"/>
+                </a:solidFill>
+                <a:latin typeface="Arial" panose="020B0604020202020204" pitchFamily="34" charset="0"/>
+                <a:cs typeface="Arial" panose="020B0604020202020204" pitchFamily="34" charset="0"/>
+              </a:rPr>
+              <a:t>)</a:t>
+            </a:r>
+          </a:p>
+          <a:p>
+            <a:r>
+              <a:rPr lang="en-US" sz="1000" b="1" dirty="0" err="1">
+                <a:solidFill>
+                  <a:schemeClr val="tx1"/>
+                </a:solidFill>
+                <a:latin typeface="Arial" panose="020B0604020202020204" pitchFamily="34" charset="0"/>
+                <a:cs typeface="Arial" panose="020B0604020202020204" pitchFamily="34" charset="0"/>
+              </a:rPr>
+              <a:t>getDateNameEventArrayStartNumber</a:t>
+            </a:r>
+            <a:r>
+              <a:rPr lang="en-US" sz="1000" b="1" dirty="0">
+                <a:solidFill>
+                  <a:schemeClr val="tx1"/>
+                </a:solidFill>
+                <a:latin typeface="Arial" panose="020B0604020202020204" pitchFamily="34" charset="0"/>
+                <a:cs typeface="Arial" panose="020B0604020202020204" pitchFamily="34" charset="0"/>
+              </a:rPr>
+              <a:t>(</a:t>
+            </a:r>
+            <a:r>
+              <a:rPr lang="en-US" sz="1000" b="1" dirty="0" err="1">
+                <a:solidFill>
+                  <a:schemeClr val="tx1"/>
+                </a:solidFill>
+                <a:latin typeface="Arial" panose="020B0604020202020204" pitchFamily="34" charset="0"/>
+                <a:cs typeface="Arial" panose="020B0604020202020204" pitchFamily="34" charset="0"/>
+              </a:rPr>
+              <a:t>i_b_only_coming</a:t>
+            </a:r>
+            <a:r>
+              <a:rPr lang="en-US" sz="1000" b="1" dirty="0">
+                <a:solidFill>
+                  <a:schemeClr val="tx1"/>
+                </a:solidFill>
+                <a:latin typeface="Arial" panose="020B0604020202020204" pitchFamily="34" charset="0"/>
+                <a:cs typeface="Arial" panose="020B0604020202020204" pitchFamily="34" charset="0"/>
+              </a:rPr>
+              <a:t>)</a:t>
+            </a:r>
+          </a:p>
+          <a:p>
+            <a:r>
+              <a:rPr lang="en-US" sz="1000" b="1" dirty="0" err="1">
+                <a:solidFill>
+                  <a:schemeClr val="tx1"/>
+                </a:solidFill>
+                <a:latin typeface="Arial" panose="020B0604020202020204" pitchFamily="34" charset="0"/>
+                <a:cs typeface="Arial" panose="020B0604020202020204" pitchFamily="34" charset="0"/>
+              </a:rPr>
+              <a:t>getEventDateArray</a:t>
+            </a:r>
+            <a:r>
+              <a:rPr lang="en-US" sz="1000" b="1" dirty="0">
+                <a:solidFill>
+                  <a:schemeClr val="tx1"/>
+                </a:solidFill>
+                <a:latin typeface="Arial" panose="020B0604020202020204" pitchFamily="34" charset="0"/>
+                <a:cs typeface="Arial" panose="020B0604020202020204" pitchFamily="34" charset="0"/>
+              </a:rPr>
+              <a:t>(</a:t>
+            </a:r>
+            <a:r>
+              <a:rPr lang="en-US" sz="1000" b="1" dirty="0" err="1">
+                <a:solidFill>
+                  <a:schemeClr val="tx1"/>
+                </a:solidFill>
+                <a:latin typeface="Arial" panose="020B0604020202020204" pitchFamily="34" charset="0"/>
+                <a:cs typeface="Arial" panose="020B0604020202020204" pitchFamily="34" charset="0"/>
+              </a:rPr>
+              <a:t>i_b_only_coming</a:t>
+            </a:r>
+            <a:r>
+              <a:rPr lang="en-US" sz="1000" b="1" dirty="0">
+                <a:solidFill>
+                  <a:schemeClr val="tx1"/>
+                </a:solidFill>
+                <a:latin typeface="Arial" panose="020B0604020202020204" pitchFamily="34" charset="0"/>
+                <a:cs typeface="Arial" panose="020B0604020202020204" pitchFamily="34" charset="0"/>
+              </a:rPr>
+              <a:t>, </a:t>
+            </a:r>
+            <a:r>
+              <a:rPr lang="en-US" sz="1000" b="1" dirty="0" err="1">
+                <a:solidFill>
+                  <a:schemeClr val="tx1"/>
+                </a:solidFill>
+                <a:latin typeface="Arial" panose="020B0604020202020204" pitchFamily="34" charset="0"/>
+                <a:cs typeface="Arial" panose="020B0604020202020204" pitchFamily="34" charset="0"/>
+              </a:rPr>
+              <a:t>i_date_format</a:t>
+            </a:r>
+            <a:r>
+              <a:rPr lang="en-US" sz="1000" b="1" dirty="0">
+                <a:solidFill>
+                  <a:schemeClr val="tx1"/>
+                </a:solidFill>
+                <a:latin typeface="Arial" panose="020B0604020202020204" pitchFamily="34" charset="0"/>
+                <a:cs typeface="Arial" panose="020B0604020202020204" pitchFamily="34" charset="0"/>
+              </a:rPr>
+              <a:t>)</a:t>
+            </a:r>
+          </a:p>
+          <a:p>
+            <a:r>
+              <a:rPr lang="en-US" sz="1000" b="1" dirty="0" err="1">
+                <a:solidFill>
+                  <a:schemeClr val="tx1"/>
+                </a:solidFill>
+                <a:latin typeface="Arial" panose="020B0604020202020204" pitchFamily="34" charset="0"/>
+                <a:cs typeface="Arial" panose="020B0604020202020204" pitchFamily="34" charset="0"/>
+              </a:rPr>
+              <a:t>getEventNumberForNextEvent</a:t>
+            </a:r>
+            <a:r>
+              <a:rPr lang="en-US" sz="1000" b="1" dirty="0">
+                <a:solidFill>
+                  <a:schemeClr val="tx1"/>
+                </a:solidFill>
+                <a:latin typeface="Arial" panose="020B0604020202020204" pitchFamily="34" charset="0"/>
+                <a:cs typeface="Arial" panose="020B0604020202020204" pitchFamily="34" charset="0"/>
+              </a:rPr>
+              <a:t>()</a:t>
+            </a:r>
+          </a:p>
+          <a:p>
+            <a:r>
+              <a:rPr lang="en-US" sz="1000" b="1" dirty="0" err="1">
+                <a:solidFill>
+                  <a:schemeClr val="tx1"/>
+                </a:solidFill>
+                <a:latin typeface="Arial" panose="020B0604020202020204" pitchFamily="34" charset="0"/>
+                <a:cs typeface="Arial" panose="020B0604020202020204" pitchFamily="34" charset="0"/>
+              </a:rPr>
+              <a:t>getXmlEventProgramFileName</a:t>
+            </a:r>
+            <a:r>
+              <a:rPr lang="en-US" sz="1000" b="1" dirty="0">
+                <a:solidFill>
+                  <a:schemeClr val="tx1"/>
+                </a:solidFill>
+                <a:latin typeface="Arial" panose="020B0604020202020204" pitchFamily="34" charset="0"/>
+                <a:cs typeface="Arial" panose="020B0604020202020204" pitchFamily="34" charset="0"/>
+              </a:rPr>
+              <a:t>()</a:t>
+            </a:r>
+          </a:p>
+          <a:p>
+            <a:endParaRPr lang="en-US" sz="1000" b="1" dirty="0">
+              <a:solidFill>
+                <a:schemeClr val="tx1"/>
+              </a:solidFill>
+              <a:latin typeface="Arial" panose="020B0604020202020204" pitchFamily="34" charset="0"/>
+              <a:cs typeface="Arial" panose="020B0604020202020204" pitchFamily="34" charset="0"/>
+            </a:endParaRPr>
+          </a:p>
+        </p:txBody>
+      </p:sp>
     </p:spTree>
     <p:extLst>
       <p:ext uri="{BB962C8B-B14F-4D97-AF65-F5344CB8AC3E}">
         <p14:creationId xmlns:p14="http://schemas.microsoft.com/office/powerpoint/2010/main" val="2116491267"/>
+      </p:ext>
+    </p:extLst>
+  </p:cSld>
+  <p:clrMapOvr>
+    <a:masterClrMapping/>
+  </p:clrMapOvr>
+</p:sld>
+</file>
+
+<file path=ppt/slides/slide13.xml><?xml version="1.0" encoding="utf-8"?>
+<p:sld xmlns:a="http://schemas.openxmlformats.org/drawingml/2006/main" xmlns:r="http://schemas.openxmlformats.org/officeDocument/2006/relationships" xmlns:p="http://schemas.openxmlformats.org/presentationml/2006/main">
+  <p:cSld>
+    <p:spTree>
+      <p:nvGrpSpPr>
+        <p:cNvPr id="1" name=""/>
+        <p:cNvGrpSpPr/>
+        <p:nvPr/>
+      </p:nvGrpSpPr>
+      <p:grpSpPr>
+        <a:xfrm>
+          <a:off x="0" y="0"/>
+          <a:ext cx="0" cy="0"/>
+          <a:chOff x="0" y="0"/>
+          <a:chExt cx="0" cy="0"/>
+        </a:xfrm>
+      </p:grpSpPr>
+    </p:spTree>
+    <p:extLst>
+      <p:ext uri="{BB962C8B-B14F-4D97-AF65-F5344CB8AC3E}">
+        <p14:creationId xmlns:p14="http://schemas.microsoft.com/office/powerpoint/2010/main" val="998078828"/>
+      </p:ext>
+    </p:extLst>
+  </p:cSld>
+  <p:clrMapOvr>
+    <a:masterClrMapping/>
+  </p:clrMapOvr>
+</p:sld>
+</file>
+
+<file path=ppt/slides/slide14.xml><?xml version="1.0" encoding="utf-8"?>
+<p:sld xmlns:a="http://schemas.openxmlformats.org/drawingml/2006/main" xmlns:r="http://schemas.openxmlformats.org/officeDocument/2006/relationships" xmlns:p="http://schemas.openxmlformats.org/presentationml/2006/main">
+  <p:cSld>
+    <p:spTree>
+      <p:nvGrpSpPr>
+        <p:cNvPr id="1" name=""/>
+        <p:cNvGrpSpPr/>
+        <p:nvPr/>
+      </p:nvGrpSpPr>
+      <p:grpSpPr>
+        <a:xfrm>
+          <a:off x="0" y="0"/>
+          <a:ext cx="0" cy="0"/>
+          <a:chOff x="0" y="0"/>
+          <a:chExt cx="0" cy="0"/>
+        </a:xfrm>
+      </p:grpSpPr>
+    </p:spTree>
+    <p:extLst>
+      <p:ext uri="{BB962C8B-B14F-4D97-AF65-F5344CB8AC3E}">
+        <p14:creationId xmlns:p14="http://schemas.microsoft.com/office/powerpoint/2010/main" val="4194466850"/>
       </p:ext>
     </p:extLst>
   </p:cSld>
